--- a/project_1/results/project1_presentation_alvinthomas.pptx
+++ b/project_1/results/project1_presentation_alvinthomas.pptx
@@ -21,6 +21,7 @@
     <p:sldId id="268" r:id="rId15"/>
     <p:sldId id="262" r:id="rId16"/>
     <p:sldId id="269" r:id="rId17"/>
+    <p:sldId id="272" r:id="rId18"/>
   </p:sldIdLst>
   <p:sldSz cx="12192000" cy="6858000"/>
   <p:notesSz cx="6858000" cy="9144000"/>
@@ -119,6 +120,11 @@
       </a:defRPr>
     </a:lvl9pPr>
   </p:defaultTextStyle>
+  <p:extLst>
+    <p:ext uri="{EFAFB233-063F-42B5-8137-9DF3F51BA10A}">
+      <p15:sldGuideLst xmlns:p15="http://schemas.microsoft.com/office/powerpoint/2012/main"/>
+    </p:ext>
+  </p:extLst>
 </p:presentation>
 </file>
 
@@ -4556,6 +4562,927 @@
   <dgm:styleLbl name="fgShp">
     <dgm:fillClrLst meth="repeat">
       <a:schemeClr val="accent5">
+        <a:tint val="40000"/>
+      </a:schemeClr>
+    </dgm:fillClrLst>
+    <dgm:linClrLst meth="repeat">
+      <a:schemeClr val="lt1"/>
+    </dgm:linClrLst>
+    <dgm:effectClrLst/>
+    <dgm:txLinClrLst/>
+    <dgm:txFillClrLst meth="repeat">
+      <a:schemeClr val="dk1"/>
+    </dgm:txFillClrLst>
+    <dgm:txEffectClrLst/>
+  </dgm:styleLbl>
+  <dgm:styleLbl name="revTx">
+    <dgm:fillClrLst meth="repeat">
+      <a:schemeClr val="lt1">
+        <a:alpha val="0"/>
+      </a:schemeClr>
+    </dgm:fillClrLst>
+    <dgm:linClrLst meth="repeat">
+      <a:schemeClr val="dk1">
+        <a:alpha val="0"/>
+      </a:schemeClr>
+    </dgm:linClrLst>
+    <dgm:effectClrLst/>
+    <dgm:txLinClrLst/>
+    <dgm:txFillClrLst meth="repeat">
+      <a:schemeClr val="tx1"/>
+    </dgm:txFillClrLst>
+    <dgm:txEffectClrLst/>
+  </dgm:styleLbl>
+</dgm:colorsDef>
+</file>
+
+<file path=ppt/diagrams/colors6.xml><?xml version="1.0" encoding="utf-8"?>
+<dgm:colorsDef xmlns:dgm="http://schemas.openxmlformats.org/drawingml/2006/diagram" xmlns:a="http://schemas.openxmlformats.org/drawingml/2006/main" uniqueId="urn:microsoft.com/office/officeart/2018/5/colors/Iconchunking_neutralicon_colorful1">
+  <dgm:title val=""/>
+  <dgm:desc val=""/>
+  <dgm:catLst>
+    <dgm:cat type="colorful" pri="10100"/>
+  </dgm:catLst>
+  <dgm:styleLbl name="node0">
+    <dgm:fillClrLst meth="repeat">
+      <a:schemeClr val="accent1"/>
+    </dgm:fillClrLst>
+    <dgm:linClrLst meth="repeat">
+      <a:schemeClr val="lt1"/>
+    </dgm:linClrLst>
+    <dgm:effectClrLst/>
+    <dgm:txLinClrLst/>
+    <dgm:txFillClrLst/>
+    <dgm:txEffectClrLst/>
+  </dgm:styleLbl>
+  <dgm:styleLbl name="node1">
+    <dgm:fillClrLst meth="repeat">
+      <a:schemeClr val="bg1"/>
+    </dgm:fillClrLst>
+    <dgm:linClrLst meth="repeat">
+      <a:schemeClr val="lt1">
+        <a:alpha val="0"/>
+      </a:schemeClr>
+    </dgm:linClrLst>
+    <dgm:effectClrLst/>
+    <dgm:txLinClrLst/>
+    <dgm:txFillClrLst meth="repeat">
+      <a:schemeClr val="dk1"/>
+    </dgm:txFillClrLst>
+    <dgm:txEffectClrLst/>
+  </dgm:styleLbl>
+  <dgm:styleLbl name="alignNode1">
+    <dgm:fillClrLst meth="repeat">
+      <a:schemeClr val="accent2"/>
+      <a:schemeClr val="accent3"/>
+      <a:schemeClr val="accent4"/>
+      <a:schemeClr val="accent5"/>
+      <a:schemeClr val="accent6"/>
+    </dgm:fillClrLst>
+    <dgm:linClrLst meth="repeat">
+      <a:schemeClr val="accent2"/>
+      <a:schemeClr val="accent3"/>
+      <a:schemeClr val="accent4"/>
+      <a:schemeClr val="accent5"/>
+      <a:schemeClr val="accent6"/>
+    </dgm:linClrLst>
+    <dgm:effectClrLst/>
+    <dgm:txLinClrLst/>
+    <dgm:txFillClrLst/>
+    <dgm:txEffectClrLst/>
+  </dgm:styleLbl>
+  <dgm:styleLbl name="lnNode1">
+    <dgm:fillClrLst meth="repeat">
+      <a:schemeClr val="accent2"/>
+      <a:schemeClr val="accent3"/>
+      <a:schemeClr val="accent4"/>
+      <a:schemeClr val="accent5"/>
+      <a:schemeClr val="accent6"/>
+    </dgm:fillClrLst>
+    <dgm:linClrLst meth="repeat">
+      <a:schemeClr val="lt1"/>
+    </dgm:linClrLst>
+    <dgm:effectClrLst/>
+    <dgm:txLinClrLst/>
+    <dgm:txFillClrLst/>
+    <dgm:txEffectClrLst/>
+  </dgm:styleLbl>
+  <dgm:styleLbl name="vennNode1">
+    <dgm:fillClrLst meth="repeat">
+      <a:schemeClr val="accent2">
+        <a:alpha val="50000"/>
+      </a:schemeClr>
+      <a:schemeClr val="accent3">
+        <a:alpha val="50000"/>
+      </a:schemeClr>
+      <a:schemeClr val="accent4">
+        <a:alpha val="50000"/>
+      </a:schemeClr>
+      <a:schemeClr val="accent5">
+        <a:alpha val="50000"/>
+      </a:schemeClr>
+      <a:schemeClr val="accent6">
+        <a:alpha val="50000"/>
+      </a:schemeClr>
+    </dgm:fillClrLst>
+    <dgm:linClrLst meth="repeat">
+      <a:schemeClr val="lt1"/>
+    </dgm:linClrLst>
+    <dgm:effectClrLst/>
+    <dgm:txLinClrLst/>
+    <dgm:txFillClrLst/>
+    <dgm:txEffectClrLst/>
+  </dgm:styleLbl>
+  <dgm:styleLbl name="node2">
+    <dgm:fillClrLst>
+      <a:schemeClr val="accent2"/>
+    </dgm:fillClrLst>
+    <dgm:linClrLst meth="repeat">
+      <a:schemeClr val="lt1"/>
+    </dgm:linClrLst>
+    <dgm:effectClrLst/>
+    <dgm:txLinClrLst/>
+    <dgm:txFillClrLst/>
+    <dgm:txEffectClrLst/>
+  </dgm:styleLbl>
+  <dgm:styleLbl name="node3">
+    <dgm:fillClrLst>
+      <a:schemeClr val="accent3"/>
+    </dgm:fillClrLst>
+    <dgm:linClrLst meth="repeat">
+      <a:schemeClr val="lt1"/>
+    </dgm:linClrLst>
+    <dgm:effectClrLst/>
+    <dgm:txLinClrLst/>
+    <dgm:txFillClrLst/>
+    <dgm:txEffectClrLst/>
+  </dgm:styleLbl>
+  <dgm:styleLbl name="node4">
+    <dgm:fillClrLst>
+      <a:schemeClr val="accent4"/>
+    </dgm:fillClrLst>
+    <dgm:linClrLst meth="repeat">
+      <a:schemeClr val="lt1"/>
+    </dgm:linClrLst>
+    <dgm:effectClrLst/>
+    <dgm:txLinClrLst/>
+    <dgm:txFillClrLst/>
+    <dgm:txEffectClrLst/>
+  </dgm:styleLbl>
+  <dgm:styleLbl name="fgImgPlace1">
+    <dgm:fillClrLst meth="repeat">
+      <a:schemeClr val="accent2">
+        <a:tint val="50000"/>
+      </a:schemeClr>
+      <a:schemeClr val="accent3">
+        <a:tint val="50000"/>
+      </a:schemeClr>
+      <a:schemeClr val="accent4">
+        <a:tint val="50000"/>
+      </a:schemeClr>
+      <a:schemeClr val="accent5">
+        <a:tint val="50000"/>
+      </a:schemeClr>
+      <a:schemeClr val="accent6">
+        <a:tint val="50000"/>
+      </a:schemeClr>
+    </dgm:fillClrLst>
+    <dgm:linClrLst meth="repeat">
+      <a:schemeClr val="lt1"/>
+    </dgm:linClrLst>
+    <dgm:effectClrLst/>
+    <dgm:txLinClrLst/>
+    <dgm:txFillClrLst meth="repeat">
+      <a:schemeClr val="lt1"/>
+    </dgm:txFillClrLst>
+    <dgm:txEffectClrLst/>
+  </dgm:styleLbl>
+  <dgm:styleLbl name="alignImgPlace1">
+    <dgm:fillClrLst>
+      <a:schemeClr val="accent1">
+        <a:tint val="50000"/>
+      </a:schemeClr>
+      <a:schemeClr val="accent2">
+        <a:tint val="20000"/>
+      </a:schemeClr>
+    </dgm:fillClrLst>
+    <dgm:linClrLst meth="repeat">
+      <a:schemeClr val="lt1"/>
+    </dgm:linClrLst>
+    <dgm:effectClrLst/>
+    <dgm:txLinClrLst/>
+    <dgm:txFillClrLst meth="repeat">
+      <a:schemeClr val="lt1"/>
+    </dgm:txFillClrLst>
+    <dgm:txEffectClrLst/>
+  </dgm:styleLbl>
+  <dgm:styleLbl name="bgImgPlace1">
+    <dgm:fillClrLst>
+      <a:schemeClr val="accent1">
+        <a:tint val="50000"/>
+      </a:schemeClr>
+      <a:schemeClr val="accent2">
+        <a:tint val="20000"/>
+      </a:schemeClr>
+    </dgm:fillClrLst>
+    <dgm:linClrLst meth="repeat">
+      <a:schemeClr val="lt1"/>
+    </dgm:linClrLst>
+    <dgm:effectClrLst/>
+    <dgm:txLinClrLst/>
+    <dgm:txFillClrLst meth="repeat">
+      <a:schemeClr val="lt1"/>
+    </dgm:txFillClrLst>
+    <dgm:txEffectClrLst/>
+  </dgm:styleLbl>
+  <dgm:styleLbl name="sibTrans2D1">
+    <dgm:fillClrLst meth="repeat">
+      <a:schemeClr val="accent2"/>
+      <a:schemeClr val="accent3"/>
+      <a:schemeClr val="accent4"/>
+      <a:schemeClr val="accent5"/>
+      <a:schemeClr val="accent6"/>
+    </dgm:fillClrLst>
+    <dgm:linClrLst meth="cycle">
+      <a:schemeClr val="lt1"/>
+    </dgm:linClrLst>
+    <dgm:effectClrLst/>
+    <dgm:txLinClrLst/>
+    <dgm:txFillClrLst/>
+    <dgm:txEffectClrLst/>
+  </dgm:styleLbl>
+  <dgm:styleLbl name="fgSibTrans2D1">
+    <dgm:fillClrLst meth="repeat">
+      <a:schemeClr val="accent2"/>
+      <a:schemeClr val="accent3"/>
+      <a:schemeClr val="accent4"/>
+      <a:schemeClr val="accent5"/>
+      <a:schemeClr val="accent6"/>
+    </dgm:fillClrLst>
+    <dgm:linClrLst meth="cycle">
+      <a:schemeClr val="lt1"/>
+    </dgm:linClrLst>
+    <dgm:effectClrLst/>
+    <dgm:txLinClrLst/>
+    <dgm:txFillClrLst meth="repeat">
+      <a:schemeClr val="lt1"/>
+    </dgm:txFillClrLst>
+    <dgm:txEffectClrLst/>
+  </dgm:styleLbl>
+  <dgm:styleLbl name="bgSibTrans2D1">
+    <dgm:fillClrLst meth="repeat">
+      <a:schemeClr val="accent2"/>
+      <a:schemeClr val="accent3"/>
+      <a:schemeClr val="accent4"/>
+      <a:schemeClr val="accent5"/>
+      <a:schemeClr val="accent6"/>
+    </dgm:fillClrLst>
+    <dgm:linClrLst meth="cycle">
+      <a:schemeClr val="lt1"/>
+    </dgm:linClrLst>
+    <dgm:effectClrLst/>
+    <dgm:txLinClrLst/>
+    <dgm:txFillClrLst meth="repeat">
+      <a:schemeClr val="lt1"/>
+    </dgm:txFillClrLst>
+    <dgm:txEffectClrLst/>
+  </dgm:styleLbl>
+  <dgm:styleLbl name="sibTrans1D1">
+    <dgm:fillClrLst meth="repeat">
+      <a:schemeClr val="accent2"/>
+      <a:schemeClr val="accent3"/>
+      <a:schemeClr val="accent4"/>
+      <a:schemeClr val="accent5"/>
+      <a:schemeClr val="accent6"/>
+    </dgm:fillClrLst>
+    <dgm:linClrLst meth="repeat">
+      <a:schemeClr val="accent2"/>
+      <a:schemeClr val="accent3"/>
+      <a:schemeClr val="accent4"/>
+      <a:schemeClr val="accent5"/>
+      <a:schemeClr val="accent6"/>
+    </dgm:linClrLst>
+    <dgm:effectClrLst/>
+    <dgm:txLinClrLst/>
+    <dgm:txFillClrLst meth="repeat">
+      <a:schemeClr val="tx1"/>
+    </dgm:txFillClrLst>
+    <dgm:txEffectClrLst/>
+  </dgm:styleLbl>
+  <dgm:styleLbl name="callout">
+    <dgm:fillClrLst meth="repeat">
+      <a:schemeClr val="accent2"/>
+    </dgm:fillClrLst>
+    <dgm:linClrLst meth="repeat">
+      <a:schemeClr val="accent2">
+        <a:tint val="50000"/>
+      </a:schemeClr>
+    </dgm:linClrLst>
+    <dgm:effectClrLst/>
+    <dgm:txLinClrLst/>
+    <dgm:txFillClrLst meth="repeat">
+      <a:schemeClr val="tx1"/>
+    </dgm:txFillClrLst>
+    <dgm:txEffectClrLst/>
+  </dgm:styleLbl>
+  <dgm:styleLbl name="asst0">
+    <dgm:fillClrLst meth="repeat">
+      <a:schemeClr val="accent1"/>
+    </dgm:fillClrLst>
+    <dgm:linClrLst meth="repeat">
+      <a:schemeClr val="lt1"/>
+    </dgm:linClrLst>
+    <dgm:effectClrLst/>
+    <dgm:txLinClrLst/>
+    <dgm:txFillClrLst/>
+    <dgm:txEffectClrLst/>
+  </dgm:styleLbl>
+  <dgm:styleLbl name="asst1">
+    <dgm:fillClrLst meth="repeat">
+      <a:schemeClr val="accent2"/>
+    </dgm:fillClrLst>
+    <dgm:linClrLst meth="repeat">
+      <a:schemeClr val="lt1"/>
+    </dgm:linClrLst>
+    <dgm:effectClrLst/>
+    <dgm:txLinClrLst/>
+    <dgm:txFillClrLst/>
+    <dgm:txEffectClrLst/>
+  </dgm:styleLbl>
+  <dgm:styleLbl name="asst2">
+    <dgm:fillClrLst>
+      <a:schemeClr val="accent3"/>
+    </dgm:fillClrLst>
+    <dgm:linClrLst meth="repeat">
+      <a:schemeClr val="lt1"/>
+    </dgm:linClrLst>
+    <dgm:effectClrLst/>
+    <dgm:txLinClrLst/>
+    <dgm:txFillClrLst/>
+    <dgm:txEffectClrLst/>
+  </dgm:styleLbl>
+  <dgm:styleLbl name="asst3">
+    <dgm:fillClrLst>
+      <a:schemeClr val="accent4"/>
+    </dgm:fillClrLst>
+    <dgm:linClrLst meth="repeat">
+      <a:schemeClr val="lt1"/>
+    </dgm:linClrLst>
+    <dgm:effectClrLst/>
+    <dgm:txLinClrLst/>
+    <dgm:txFillClrLst/>
+    <dgm:txEffectClrLst/>
+  </dgm:styleLbl>
+  <dgm:styleLbl name="asst4">
+    <dgm:fillClrLst>
+      <a:schemeClr val="accent5"/>
+    </dgm:fillClrLst>
+    <dgm:linClrLst meth="repeat">
+      <a:schemeClr val="lt1"/>
+    </dgm:linClrLst>
+    <dgm:effectClrLst/>
+    <dgm:txLinClrLst/>
+    <dgm:txFillClrLst/>
+    <dgm:txEffectClrLst/>
+  </dgm:styleLbl>
+  <dgm:styleLbl name="parChTrans2D1">
+    <dgm:fillClrLst meth="repeat">
+      <a:schemeClr val="accent2"/>
+    </dgm:fillClrLst>
+    <dgm:linClrLst meth="repeat">
+      <a:schemeClr val="lt1"/>
+    </dgm:linClrLst>
+    <dgm:effectClrLst/>
+    <dgm:txLinClrLst/>
+    <dgm:txFillClrLst meth="repeat">
+      <a:schemeClr val="lt1"/>
+    </dgm:txFillClrLst>
+    <dgm:txEffectClrLst/>
+  </dgm:styleLbl>
+  <dgm:styleLbl name="parChTrans2D2">
+    <dgm:fillClrLst meth="repeat">
+      <a:schemeClr val="accent3"/>
+    </dgm:fillClrLst>
+    <dgm:linClrLst meth="repeat">
+      <a:schemeClr val="lt1"/>
+    </dgm:linClrLst>
+    <dgm:effectClrLst/>
+    <dgm:txLinClrLst/>
+    <dgm:txFillClrLst/>
+    <dgm:txEffectClrLst/>
+  </dgm:styleLbl>
+  <dgm:styleLbl name="parChTrans2D3">
+    <dgm:fillClrLst meth="repeat">
+      <a:schemeClr val="accent4"/>
+    </dgm:fillClrLst>
+    <dgm:linClrLst meth="repeat">
+      <a:schemeClr val="lt1"/>
+    </dgm:linClrLst>
+    <dgm:effectClrLst/>
+    <dgm:txLinClrLst/>
+    <dgm:txFillClrLst/>
+    <dgm:txEffectClrLst/>
+  </dgm:styleLbl>
+  <dgm:styleLbl name="parChTrans2D4">
+    <dgm:fillClrLst meth="repeat">
+      <a:schemeClr val="accent5"/>
+    </dgm:fillClrLst>
+    <dgm:linClrLst meth="repeat">
+      <a:schemeClr val="lt1"/>
+    </dgm:linClrLst>
+    <dgm:effectClrLst/>
+    <dgm:txLinClrLst/>
+    <dgm:txFillClrLst meth="repeat">
+      <a:schemeClr val="lt1"/>
+    </dgm:txFillClrLst>
+    <dgm:txEffectClrLst/>
+  </dgm:styleLbl>
+  <dgm:styleLbl name="parChTrans1D1">
+    <dgm:fillClrLst meth="repeat">
+      <a:schemeClr val="accent2"/>
+    </dgm:fillClrLst>
+    <dgm:linClrLst meth="repeat">
+      <a:schemeClr val="accent1"/>
+    </dgm:linClrLst>
+    <dgm:effectClrLst/>
+    <dgm:txLinClrLst/>
+    <dgm:txFillClrLst meth="repeat">
+      <a:schemeClr val="tx1"/>
+    </dgm:txFillClrLst>
+    <dgm:txEffectClrLst/>
+  </dgm:styleLbl>
+  <dgm:styleLbl name="parChTrans1D2">
+    <dgm:fillClrLst meth="repeat">
+      <a:schemeClr val="accent3">
+        <a:tint val="90000"/>
+      </a:schemeClr>
+    </dgm:fillClrLst>
+    <dgm:linClrLst meth="repeat">
+      <a:schemeClr val="accent2"/>
+    </dgm:linClrLst>
+    <dgm:effectClrLst/>
+    <dgm:txLinClrLst/>
+    <dgm:txFillClrLst meth="repeat">
+      <a:schemeClr val="tx1"/>
+    </dgm:txFillClrLst>
+    <dgm:txEffectClrLst/>
+  </dgm:styleLbl>
+  <dgm:styleLbl name="parChTrans1D3">
+    <dgm:fillClrLst meth="repeat">
+      <a:schemeClr val="accent4">
+        <a:tint val="70000"/>
+      </a:schemeClr>
+    </dgm:fillClrLst>
+    <dgm:linClrLst meth="repeat">
+      <a:schemeClr val="accent3"/>
+    </dgm:linClrLst>
+    <dgm:effectClrLst/>
+    <dgm:txLinClrLst/>
+    <dgm:txFillClrLst meth="repeat">
+      <a:schemeClr val="tx1"/>
+    </dgm:txFillClrLst>
+    <dgm:txEffectClrLst/>
+  </dgm:styleLbl>
+  <dgm:styleLbl name="parChTrans1D4">
+    <dgm:fillClrLst meth="repeat">
+      <a:schemeClr val="accent5">
+        <a:tint val="50000"/>
+      </a:schemeClr>
+    </dgm:fillClrLst>
+    <dgm:linClrLst meth="repeat">
+      <a:schemeClr val="accent4"/>
+    </dgm:linClrLst>
+    <dgm:effectClrLst/>
+    <dgm:txLinClrLst/>
+    <dgm:txFillClrLst meth="repeat">
+      <a:schemeClr val="tx1"/>
+    </dgm:txFillClrLst>
+    <dgm:txEffectClrLst/>
+  </dgm:styleLbl>
+  <dgm:styleLbl name="fgAcc1">
+    <dgm:fillClrLst meth="repeat">
+      <a:schemeClr val="lt1">
+        <a:alpha val="90000"/>
+      </a:schemeClr>
+    </dgm:fillClrLst>
+    <dgm:linClrLst meth="repeat">
+      <a:schemeClr val="accent2"/>
+      <a:schemeClr val="accent3"/>
+      <a:schemeClr val="accent4"/>
+      <a:schemeClr val="accent5"/>
+      <a:schemeClr val="accent6"/>
+    </dgm:linClrLst>
+    <dgm:effectClrLst/>
+    <dgm:txLinClrLst/>
+    <dgm:txFillClrLst meth="repeat">
+      <a:schemeClr val="dk1"/>
+    </dgm:txFillClrLst>
+    <dgm:txEffectClrLst/>
+  </dgm:styleLbl>
+  <dgm:styleLbl name="conFgAcc1">
+    <dgm:fillClrLst meth="repeat">
+      <a:schemeClr val="lt1">
+        <a:alpha val="90000"/>
+      </a:schemeClr>
+    </dgm:fillClrLst>
+    <dgm:linClrLst meth="repeat">
+      <a:schemeClr val="accent2"/>
+      <a:schemeClr val="accent3"/>
+      <a:schemeClr val="accent4"/>
+      <a:schemeClr val="accent5"/>
+      <a:schemeClr val="accent6"/>
+    </dgm:linClrLst>
+    <dgm:effectClrLst/>
+    <dgm:txLinClrLst/>
+    <dgm:txFillClrLst meth="repeat">
+      <a:schemeClr val="dk1"/>
+    </dgm:txFillClrLst>
+    <dgm:txEffectClrLst/>
+  </dgm:styleLbl>
+  <dgm:styleLbl name="alignAcc1">
+    <dgm:fillClrLst meth="repeat">
+      <a:schemeClr val="lt1">
+        <a:alpha val="90000"/>
+      </a:schemeClr>
+    </dgm:fillClrLst>
+    <dgm:linClrLst meth="repeat">
+      <a:schemeClr val="accent2"/>
+      <a:schemeClr val="accent3"/>
+      <a:schemeClr val="accent4"/>
+      <a:schemeClr val="accent5"/>
+      <a:schemeClr val="accent6"/>
+    </dgm:linClrLst>
+    <dgm:effectClrLst/>
+    <dgm:txLinClrLst/>
+    <dgm:txFillClrLst meth="repeat">
+      <a:schemeClr val="dk1"/>
+    </dgm:txFillClrLst>
+    <dgm:txEffectClrLst/>
+  </dgm:styleLbl>
+  <dgm:styleLbl name="trAlignAcc1">
+    <dgm:fillClrLst meth="repeat">
+      <a:schemeClr val="lt1">
+        <a:alpha val="40000"/>
+      </a:schemeClr>
+    </dgm:fillClrLst>
+    <dgm:linClrLst meth="repeat">
+      <a:schemeClr val="accent1"/>
+    </dgm:linClrLst>
+    <dgm:effectClrLst/>
+    <dgm:txLinClrLst/>
+    <dgm:txFillClrLst meth="repeat">
+      <a:schemeClr val="dk1"/>
+    </dgm:txFillClrLst>
+    <dgm:txEffectClrLst/>
+  </dgm:styleLbl>
+  <dgm:styleLbl name="bgAcc1">
+    <dgm:fillClrLst meth="repeat">
+      <a:schemeClr val="lt1">
+        <a:alpha val="90000"/>
+      </a:schemeClr>
+    </dgm:fillClrLst>
+    <dgm:linClrLst meth="repeat">
+      <a:schemeClr val="accent2"/>
+      <a:schemeClr val="accent3"/>
+      <a:schemeClr val="accent4"/>
+      <a:schemeClr val="accent5"/>
+      <a:schemeClr val="accent6"/>
+    </dgm:linClrLst>
+    <dgm:effectClrLst/>
+    <dgm:txLinClrLst/>
+    <dgm:txFillClrLst meth="repeat">
+      <a:schemeClr val="dk1"/>
+    </dgm:txFillClrLst>
+    <dgm:txEffectClrLst/>
+  </dgm:styleLbl>
+  <dgm:styleLbl name="solidFgAcc1">
+    <dgm:fillClrLst meth="repeat">
+      <a:schemeClr val="lt1"/>
+    </dgm:fillClrLst>
+    <dgm:linClrLst meth="repeat">
+      <a:schemeClr val="accent2"/>
+      <a:schemeClr val="accent3"/>
+      <a:schemeClr val="accent4"/>
+      <a:schemeClr val="accent5"/>
+      <a:schemeClr val="accent6"/>
+    </dgm:linClrLst>
+    <dgm:effectClrLst/>
+    <dgm:txLinClrLst/>
+    <dgm:txFillClrLst meth="repeat">
+      <a:schemeClr val="dk1"/>
+    </dgm:txFillClrLst>
+    <dgm:txEffectClrLst/>
+  </dgm:styleLbl>
+  <dgm:styleLbl name="solidAlignAcc1">
+    <dgm:fillClrLst meth="repeat">
+      <a:schemeClr val="lt1"/>
+    </dgm:fillClrLst>
+    <dgm:linClrLst meth="repeat">
+      <a:schemeClr val="accent2"/>
+      <a:schemeClr val="accent3"/>
+      <a:schemeClr val="accent4"/>
+      <a:schemeClr val="accent5"/>
+      <a:schemeClr val="accent6"/>
+    </dgm:linClrLst>
+    <dgm:effectClrLst/>
+    <dgm:txLinClrLst/>
+    <dgm:txFillClrLst meth="repeat">
+      <a:schemeClr val="dk1"/>
+    </dgm:txFillClrLst>
+    <dgm:txEffectClrLst/>
+  </dgm:styleLbl>
+  <dgm:styleLbl name="solidBgAcc1">
+    <dgm:fillClrLst meth="repeat">
+      <a:schemeClr val="lt1"/>
+    </dgm:fillClrLst>
+    <dgm:linClrLst meth="repeat">
+      <a:schemeClr val="accent2"/>
+      <a:schemeClr val="accent3"/>
+      <a:schemeClr val="accent4"/>
+      <a:schemeClr val="accent5"/>
+      <a:schemeClr val="accent6"/>
+    </dgm:linClrLst>
+    <dgm:effectClrLst/>
+    <dgm:txLinClrLst/>
+    <dgm:txFillClrLst meth="repeat">
+      <a:schemeClr val="dk1"/>
+    </dgm:txFillClrLst>
+    <dgm:txEffectClrLst/>
+  </dgm:styleLbl>
+  <dgm:styleLbl name="fgAccFollowNode1">
+    <dgm:fillClrLst meth="repeat">
+      <a:schemeClr val="accent2">
+        <a:tint val="40000"/>
+        <a:alpha val="90000"/>
+      </a:schemeClr>
+      <a:schemeClr val="accent3">
+        <a:tint val="40000"/>
+        <a:alpha val="90000"/>
+      </a:schemeClr>
+      <a:schemeClr val="accent4">
+        <a:tint val="40000"/>
+        <a:alpha val="90000"/>
+      </a:schemeClr>
+      <a:schemeClr val="accent5">
+        <a:tint val="40000"/>
+        <a:alpha val="90000"/>
+      </a:schemeClr>
+      <a:schemeClr val="accent6">
+        <a:tint val="40000"/>
+        <a:alpha val="90000"/>
+      </a:schemeClr>
+    </dgm:fillClrLst>
+    <dgm:linClrLst meth="repeat">
+      <a:schemeClr val="accent2">
+        <a:tint val="40000"/>
+        <a:alpha val="90000"/>
+      </a:schemeClr>
+      <a:schemeClr val="accent3">
+        <a:tint val="40000"/>
+        <a:alpha val="90000"/>
+      </a:schemeClr>
+      <a:schemeClr val="accent4">
+        <a:tint val="40000"/>
+        <a:alpha val="90000"/>
+      </a:schemeClr>
+      <a:schemeClr val="accent5">
+        <a:tint val="40000"/>
+        <a:alpha val="90000"/>
+      </a:schemeClr>
+      <a:schemeClr val="accent6">
+        <a:tint val="40000"/>
+        <a:alpha val="90000"/>
+      </a:schemeClr>
+    </dgm:linClrLst>
+    <dgm:effectClrLst/>
+    <dgm:txLinClrLst/>
+    <dgm:txFillClrLst meth="repeat">
+      <a:schemeClr val="dk1"/>
+    </dgm:txFillClrLst>
+    <dgm:txEffectClrLst/>
+  </dgm:styleLbl>
+  <dgm:styleLbl name="alignAccFollowNode1">
+    <dgm:fillClrLst meth="repeat">
+      <a:schemeClr val="accent2">
+        <a:tint val="40000"/>
+        <a:alpha val="90000"/>
+      </a:schemeClr>
+      <a:schemeClr val="accent3">
+        <a:tint val="40000"/>
+        <a:alpha val="90000"/>
+      </a:schemeClr>
+      <a:schemeClr val="accent4">
+        <a:tint val="40000"/>
+        <a:alpha val="90000"/>
+      </a:schemeClr>
+      <a:schemeClr val="accent5">
+        <a:tint val="40000"/>
+        <a:alpha val="90000"/>
+      </a:schemeClr>
+      <a:schemeClr val="accent6">
+        <a:tint val="40000"/>
+        <a:alpha val="90000"/>
+      </a:schemeClr>
+    </dgm:fillClrLst>
+    <dgm:linClrLst meth="repeat">
+      <a:schemeClr val="accent2">
+        <a:tint val="40000"/>
+        <a:alpha val="90000"/>
+      </a:schemeClr>
+      <a:schemeClr val="accent3">
+        <a:tint val="40000"/>
+        <a:alpha val="90000"/>
+      </a:schemeClr>
+      <a:schemeClr val="accent4">
+        <a:tint val="40000"/>
+        <a:alpha val="90000"/>
+      </a:schemeClr>
+      <a:schemeClr val="accent5">
+        <a:tint val="40000"/>
+        <a:alpha val="90000"/>
+      </a:schemeClr>
+      <a:schemeClr val="accent6">
+        <a:tint val="40000"/>
+        <a:alpha val="90000"/>
+      </a:schemeClr>
+    </dgm:linClrLst>
+    <dgm:effectClrLst/>
+    <dgm:txLinClrLst/>
+    <dgm:txFillClrLst meth="repeat">
+      <a:schemeClr val="dk1"/>
+    </dgm:txFillClrLst>
+    <dgm:txEffectClrLst/>
+  </dgm:styleLbl>
+  <dgm:styleLbl name="bgAccFollowNode1">
+    <dgm:fillClrLst meth="repeat">
+      <a:schemeClr val="accent2">
+        <a:tint val="40000"/>
+        <a:alpha val="90000"/>
+      </a:schemeClr>
+      <a:schemeClr val="accent3">
+        <a:tint val="40000"/>
+        <a:alpha val="90000"/>
+      </a:schemeClr>
+      <a:schemeClr val="accent4">
+        <a:tint val="40000"/>
+        <a:alpha val="90000"/>
+      </a:schemeClr>
+      <a:schemeClr val="accent5">
+        <a:tint val="40000"/>
+        <a:alpha val="90000"/>
+      </a:schemeClr>
+      <a:schemeClr val="accent6">
+        <a:tint val="40000"/>
+        <a:alpha val="90000"/>
+      </a:schemeClr>
+    </dgm:fillClrLst>
+    <dgm:linClrLst meth="repeat">
+      <a:schemeClr val="accent2">
+        <a:tint val="40000"/>
+        <a:alpha val="90000"/>
+      </a:schemeClr>
+      <a:schemeClr val="accent3">
+        <a:tint val="40000"/>
+        <a:alpha val="90000"/>
+      </a:schemeClr>
+      <a:schemeClr val="accent4">
+        <a:tint val="40000"/>
+        <a:alpha val="90000"/>
+      </a:schemeClr>
+      <a:schemeClr val="accent5">
+        <a:tint val="40000"/>
+        <a:alpha val="90000"/>
+      </a:schemeClr>
+      <a:schemeClr val="accent6">
+        <a:tint val="40000"/>
+        <a:alpha val="90000"/>
+      </a:schemeClr>
+    </dgm:linClrLst>
+    <dgm:effectClrLst/>
+    <dgm:txLinClrLst/>
+    <dgm:txFillClrLst meth="repeat">
+      <a:schemeClr val="dk1"/>
+    </dgm:txFillClrLst>
+    <dgm:txEffectClrLst/>
+  </dgm:styleLbl>
+  <dgm:styleLbl name="fgAcc0">
+    <dgm:fillClrLst meth="repeat">
+      <a:schemeClr val="lt1">
+        <a:alpha val="90000"/>
+      </a:schemeClr>
+    </dgm:fillClrLst>
+    <dgm:linClrLst>
+      <a:schemeClr val="accent1"/>
+    </dgm:linClrLst>
+    <dgm:effectClrLst/>
+    <dgm:txLinClrLst/>
+    <dgm:txFillClrLst meth="repeat">
+      <a:schemeClr val="dk1"/>
+    </dgm:txFillClrLst>
+    <dgm:txEffectClrLst/>
+  </dgm:styleLbl>
+  <dgm:styleLbl name="fgAcc2">
+    <dgm:fillClrLst meth="repeat">
+      <a:schemeClr val="lt1">
+        <a:alpha val="90000"/>
+      </a:schemeClr>
+    </dgm:fillClrLst>
+    <dgm:linClrLst>
+      <a:schemeClr val="accent2"/>
+    </dgm:linClrLst>
+    <dgm:effectClrLst/>
+    <dgm:txLinClrLst/>
+    <dgm:txFillClrLst meth="repeat">
+      <a:schemeClr val="dk1"/>
+    </dgm:txFillClrLst>
+    <dgm:txEffectClrLst/>
+  </dgm:styleLbl>
+  <dgm:styleLbl name="fgAcc3">
+    <dgm:fillClrLst meth="repeat">
+      <a:schemeClr val="lt1">
+        <a:alpha val="90000"/>
+      </a:schemeClr>
+    </dgm:fillClrLst>
+    <dgm:linClrLst>
+      <a:schemeClr val="accent3"/>
+    </dgm:linClrLst>
+    <dgm:effectClrLst/>
+    <dgm:txLinClrLst/>
+    <dgm:txFillClrLst meth="repeat">
+      <a:schemeClr val="dk1"/>
+    </dgm:txFillClrLst>
+    <dgm:txEffectClrLst/>
+  </dgm:styleLbl>
+  <dgm:styleLbl name="fgAcc4">
+    <dgm:fillClrLst meth="repeat">
+      <a:schemeClr val="lt1">
+        <a:alpha val="90000"/>
+      </a:schemeClr>
+    </dgm:fillClrLst>
+    <dgm:linClrLst>
+      <a:schemeClr val="accent4"/>
+    </dgm:linClrLst>
+    <dgm:effectClrLst/>
+    <dgm:txLinClrLst/>
+    <dgm:txFillClrLst meth="repeat">
+      <a:schemeClr val="dk1"/>
+    </dgm:txFillClrLst>
+    <dgm:txEffectClrLst/>
+  </dgm:styleLbl>
+  <dgm:styleLbl name="bgShp">
+    <dgm:fillClrLst meth="repeat">
+      <a:schemeClr val="accent2"/>
+      <a:schemeClr val="accent3"/>
+      <a:schemeClr val="accent4"/>
+      <a:schemeClr val="accent5"/>
+      <a:schemeClr val="accent6"/>
+    </dgm:fillClrLst>
+    <dgm:linClrLst meth="repeat">
+      <a:schemeClr val="lt1">
+        <a:alpha val="0"/>
+      </a:schemeClr>
+    </dgm:linClrLst>
+    <dgm:effectClrLst/>
+    <dgm:txLinClrLst/>
+    <dgm:txFillClrLst/>
+    <dgm:txEffectClrLst/>
+  </dgm:styleLbl>
+  <dgm:styleLbl name="dkBgShp">
+    <dgm:fillClrLst meth="repeat">
+      <a:schemeClr val="accent2">
+        <a:shade val="90000"/>
+      </a:schemeClr>
+    </dgm:fillClrLst>
+    <dgm:linClrLst meth="repeat">
+      <a:schemeClr val="dk1"/>
+    </dgm:linClrLst>
+    <dgm:effectClrLst/>
+    <dgm:txLinClrLst/>
+    <dgm:txFillClrLst meth="repeat">
+      <a:schemeClr val="lt1"/>
+    </dgm:txFillClrLst>
+    <dgm:txEffectClrLst/>
+  </dgm:styleLbl>
+  <dgm:styleLbl name="trBgShp">
+    <dgm:fillClrLst meth="repeat">
+      <a:schemeClr val="accent1">
+        <a:tint val="50000"/>
+        <a:alpha val="40000"/>
+      </a:schemeClr>
+    </dgm:fillClrLst>
+    <dgm:linClrLst meth="repeat">
+      <a:schemeClr val="accent2"/>
+    </dgm:linClrLst>
+    <dgm:effectClrLst/>
+    <dgm:txLinClrLst/>
+    <dgm:txFillClrLst meth="repeat">
+      <a:schemeClr val="lt1"/>
+    </dgm:txFillClrLst>
+    <dgm:txEffectClrLst/>
+  </dgm:styleLbl>
+  <dgm:styleLbl name="fgShp">
+    <dgm:fillClrLst meth="repeat">
+      <a:schemeClr val="accent2">
         <a:tint val="40000"/>
       </a:schemeClr>
     </dgm:fillClrLst>
@@ -5805,8 +6732,8 @@
         <a:lstStyle/>
         <a:p>
           <a:r>
-            <a:rPr lang="en-US"/>
-            <a:t>Dataset focuses on services provided by the foody pantry and clothing closet</a:t>
+            <a:rPr lang="en-US" dirty="0"/>
+            <a:t>Dataset focuses on services provided by the food pantry and clothing closet</a:t>
           </a:r>
         </a:p>
       </dgm:t>
@@ -6129,7 +7056,7 @@
         <a:p>
           <a:r>
             <a:rPr lang="en-US" dirty="0"/>
-            <a:t>The median number of visits per neighbor: 2</a:t>
+            <a:t>The median number of encounters per neighbor: 2</a:t>
           </a:r>
         </a:p>
       </dgm:t>
@@ -6612,6 +7539,352 @@
     <dgm:cxn modelId="{07D45C80-DF32-4E00-A2ED-E72923E340EC}" type="presParOf" srcId="{B934D27D-0F54-4A53-93BD-8CF17A7A0131}" destId="{1D396A03-62E1-4807-8E27-1F64AD3234C0}" srcOrd="1" destOrd="0" presId="urn:microsoft.com/office/officeart/2018/2/layout/IconVerticalSolidList"/>
     <dgm:cxn modelId="{B20197D1-8575-4638-B21B-BCB4A03B9CCD}" type="presParOf" srcId="{B934D27D-0F54-4A53-93BD-8CF17A7A0131}" destId="{FCD84808-7D81-4379-A57E-BD8639CBB362}" srcOrd="2" destOrd="0" presId="urn:microsoft.com/office/officeart/2018/2/layout/IconVerticalSolidList"/>
     <dgm:cxn modelId="{717F1D73-F258-441B-B852-7D34C3E64B0D}" type="presParOf" srcId="{B934D27D-0F54-4A53-93BD-8CF17A7A0131}" destId="{C40DED8D-EF1D-44BA-9B56-A12F0C528CCD}" srcOrd="3" destOrd="0" presId="urn:microsoft.com/office/officeart/2018/2/layout/IconVerticalSolidList"/>
+  </dgm:cxnLst>
+  <dgm:bg/>
+  <dgm:whole/>
+  <dgm:extLst>
+    <a:ext uri="http://schemas.microsoft.com/office/drawing/2008/diagram">
+      <dsp:dataModelExt xmlns:dsp="http://schemas.microsoft.com/office/drawing/2008/diagram" relId="rId6" minVer="http://schemas.openxmlformats.org/drawingml/2006/diagram"/>
+    </a:ext>
+  </dgm:extLst>
+</dgm:dataModel>
+</file>
+
+<file path=ppt/diagrams/data6.xml><?xml version="1.0" encoding="utf-8"?>
+<dgm:dataModel xmlns:dgm="http://schemas.openxmlformats.org/drawingml/2006/diagram" xmlns:a="http://schemas.openxmlformats.org/drawingml/2006/main">
+  <dgm:ptLst>
+    <dgm:pt modelId="{5E36BA5C-F8BF-42EF-B7FD-493605BF1801}" type="doc">
+      <dgm:prSet loTypeId="urn:microsoft.com/office/officeart/2018/5/layout/IconCircleLabelList" loCatId="icon" qsTypeId="urn:microsoft.com/office/officeart/2005/8/quickstyle/simple1" qsCatId="simple" csTypeId="urn:microsoft.com/office/officeart/2018/5/colors/Iconchunking_neutralicon_colorful1" csCatId="colorful" phldr="1"/>
+      <dgm:spPr/>
+      <dgm:t>
+        <a:bodyPr/>
+        <a:lstStyle/>
+        <a:p>
+          <a:endParaRPr lang="en-US"/>
+        </a:p>
+      </dgm:t>
+    </dgm:pt>
+    <dgm:pt modelId="{028342D9-FCCC-4FA6-A8F1-AED1A32C888E}">
+      <dgm:prSet/>
+      <dgm:spPr/>
+      <dgm:t>
+        <a:bodyPr/>
+        <a:lstStyle/>
+        <a:p>
+          <a:pPr>
+            <a:defRPr cap="all"/>
+          </a:pPr>
+          <a:r>
+            <a:rPr lang="en-US" dirty="0"/>
+            <a:t>Deliverables: </a:t>
+          </a:r>
+        </a:p>
+        <a:p>
+          <a:pPr>
+            <a:defRPr cap="all"/>
+          </a:pPr>
+          <a:r>
+            <a:rPr lang="en-US" dirty="0"/>
+            <a:t>Executive Summary and Detailed Analysis Reports on </a:t>
+          </a:r>
+          <a:r>
+            <a:rPr lang="en-US" dirty="0" err="1"/>
+            <a:t>Github</a:t>
+          </a:r>
+          <a:endParaRPr lang="en-US" dirty="0"/>
+        </a:p>
+      </dgm:t>
+    </dgm:pt>
+    <dgm:pt modelId="{9D5F2C60-B492-4FC6-AAE5-60BC623B87CF}" type="parTrans" cxnId="{D43B95C1-1D1E-4CFF-AE6B-391AD8827F4F}">
+      <dgm:prSet/>
+      <dgm:spPr/>
+      <dgm:t>
+        <a:bodyPr/>
+        <a:lstStyle/>
+        <a:p>
+          <a:endParaRPr lang="en-US"/>
+        </a:p>
+      </dgm:t>
+    </dgm:pt>
+    <dgm:pt modelId="{F48EFC21-8029-4EE7-AAFE-AD95B169F4FE}" type="sibTrans" cxnId="{D43B95C1-1D1E-4CFF-AE6B-391AD8827F4F}">
+      <dgm:prSet/>
+      <dgm:spPr/>
+      <dgm:t>
+        <a:bodyPr/>
+        <a:lstStyle/>
+        <a:p>
+          <a:endParaRPr lang="en-US"/>
+        </a:p>
+      </dgm:t>
+    </dgm:pt>
+    <dgm:pt modelId="{A2F21BE1-0E04-46D9-A835-BD6212807359}">
+      <dgm:prSet/>
+      <dgm:spPr/>
+      <dgm:t>
+        <a:bodyPr/>
+        <a:lstStyle/>
+        <a:p>
+          <a:pPr>
+            <a:defRPr cap="all"/>
+          </a:pPr>
+          <a:r>
+            <a:rPr lang="en-US" dirty="0"/>
+            <a:t>Incorporate data collection protocols and other datasets </a:t>
+          </a:r>
+        </a:p>
+      </dgm:t>
+    </dgm:pt>
+    <dgm:pt modelId="{0297F8A9-05E6-4BDC-B293-470E2934B875}" type="parTrans" cxnId="{4760F0E7-A143-42FC-9F45-B0A015F69F74}">
+      <dgm:prSet/>
+      <dgm:spPr/>
+      <dgm:t>
+        <a:bodyPr/>
+        <a:lstStyle/>
+        <a:p>
+          <a:endParaRPr lang="en-US"/>
+        </a:p>
+      </dgm:t>
+    </dgm:pt>
+    <dgm:pt modelId="{A7704C3E-F92C-49D0-AFD7-2D061DFEB345}" type="sibTrans" cxnId="{4760F0E7-A143-42FC-9F45-B0A015F69F74}">
+      <dgm:prSet/>
+      <dgm:spPr/>
+      <dgm:t>
+        <a:bodyPr/>
+        <a:lstStyle/>
+        <a:p>
+          <a:endParaRPr lang="en-US"/>
+        </a:p>
+      </dgm:t>
+    </dgm:pt>
+    <dgm:pt modelId="{4720A9A0-5128-423B-9378-70065D5F9963}">
+      <dgm:prSet/>
+      <dgm:spPr/>
+      <dgm:t>
+        <a:bodyPr/>
+        <a:lstStyle/>
+        <a:p>
+          <a:pPr>
+            <a:defRPr cap="all"/>
+          </a:pPr>
+          <a:r>
+            <a:rPr lang="en-US"/>
+            <a:t>Study neighbors who are high service utilizers and how UMD can best serve them</a:t>
+          </a:r>
+        </a:p>
+      </dgm:t>
+    </dgm:pt>
+    <dgm:pt modelId="{029E6CF9-3055-4910-92CB-84943A4702C6}" type="parTrans" cxnId="{CC417FA5-0FBE-4F69-A037-F6CF53E6648C}">
+      <dgm:prSet/>
+      <dgm:spPr/>
+      <dgm:t>
+        <a:bodyPr/>
+        <a:lstStyle/>
+        <a:p>
+          <a:endParaRPr lang="en-US"/>
+        </a:p>
+      </dgm:t>
+    </dgm:pt>
+    <dgm:pt modelId="{73248637-FC85-4F70-B564-DCC0F3FC8B04}" type="sibTrans" cxnId="{CC417FA5-0FBE-4F69-A037-F6CF53E6648C}">
+      <dgm:prSet/>
+      <dgm:spPr/>
+      <dgm:t>
+        <a:bodyPr/>
+        <a:lstStyle/>
+        <a:p>
+          <a:endParaRPr lang="en-US"/>
+        </a:p>
+      </dgm:t>
+    </dgm:pt>
+    <dgm:pt modelId="{5D3A76C3-C6C8-4307-B505-5940EADC6EEA}" type="pres">
+      <dgm:prSet presAssocID="{5E36BA5C-F8BF-42EF-B7FD-493605BF1801}" presName="root" presStyleCnt="0">
+        <dgm:presLayoutVars>
+          <dgm:dir/>
+          <dgm:resizeHandles val="exact"/>
+        </dgm:presLayoutVars>
+      </dgm:prSet>
+      <dgm:spPr/>
+    </dgm:pt>
+    <dgm:pt modelId="{20822693-3337-4324-92DD-3E9946048603}" type="pres">
+      <dgm:prSet presAssocID="{028342D9-FCCC-4FA6-A8F1-AED1A32C888E}" presName="compNode" presStyleCnt="0"/>
+      <dgm:spPr/>
+    </dgm:pt>
+    <dgm:pt modelId="{1BE6A3F4-110C-4C4E-84B4-DCA9C8F1E010}" type="pres">
+      <dgm:prSet presAssocID="{028342D9-FCCC-4FA6-A8F1-AED1A32C888E}" presName="iconBgRect" presStyleLbl="bgShp" presStyleIdx="0" presStyleCnt="3"/>
+      <dgm:spPr/>
+    </dgm:pt>
+    <dgm:pt modelId="{C35DD098-964B-461D-8836-7C4F4921B324}" type="pres">
+      <dgm:prSet presAssocID="{028342D9-FCCC-4FA6-A8F1-AED1A32C888E}" presName="iconRect" presStyleLbl="node1" presStyleIdx="0" presStyleCnt="3"/>
+      <dgm:spPr>
+        <a:blipFill>
+          <a:blip xmlns:r="http://schemas.openxmlformats.org/officeDocument/2006/relationships" r:embed="rId1">
+            <a:extLst>
+              <a:ext uri="{28A0092B-C50C-407E-A947-70E740481C1C}">
+                <a14:useLocalDpi xmlns:a14="http://schemas.microsoft.com/office/drawing/2010/main" val="0"/>
+              </a:ext>
+              <a:ext uri="{96DAC541-7B7A-43D3-8B79-37D633B846F1}">
+                <asvg:svgBlip xmlns:asvg="http://schemas.microsoft.com/office/drawing/2016/SVG/main" r:embed="rId2"/>
+              </a:ext>
+            </a:extLst>
+          </a:blip>
+          <a:stretch>
+            <a:fillRect/>
+          </a:stretch>
+        </a:blipFill>
+        <a:ln>
+          <a:noFill/>
+        </a:ln>
+      </dgm:spPr>
+      <dgm:extLst>
+        <a:ext uri="{E40237B7-FDA0-4F09-8148-C483321AD2D9}">
+          <dgm14:cNvPr xmlns:dgm14="http://schemas.microsoft.com/office/drawing/2010/diagram" id="0" name="" descr="Check List"/>
+        </a:ext>
+      </dgm:extLst>
+    </dgm:pt>
+    <dgm:pt modelId="{D2B6F3EE-92F9-446E-8456-9C36FA476017}" type="pres">
+      <dgm:prSet presAssocID="{028342D9-FCCC-4FA6-A8F1-AED1A32C888E}" presName="spaceRect" presStyleCnt="0"/>
+      <dgm:spPr/>
+    </dgm:pt>
+    <dgm:pt modelId="{6F4A6CB5-9646-40CC-9A43-CFC7B70FB189}" type="pres">
+      <dgm:prSet presAssocID="{028342D9-FCCC-4FA6-A8F1-AED1A32C888E}" presName="textRect" presStyleLbl="revTx" presStyleIdx="0" presStyleCnt="3">
+        <dgm:presLayoutVars>
+          <dgm:chMax val="1"/>
+          <dgm:chPref val="1"/>
+        </dgm:presLayoutVars>
+      </dgm:prSet>
+      <dgm:spPr/>
+    </dgm:pt>
+    <dgm:pt modelId="{326B9451-734A-46CD-BCB6-0449CD022C5F}" type="pres">
+      <dgm:prSet presAssocID="{F48EFC21-8029-4EE7-AAFE-AD95B169F4FE}" presName="sibTrans" presStyleCnt="0"/>
+      <dgm:spPr/>
+    </dgm:pt>
+    <dgm:pt modelId="{C17C7DAB-1A46-495F-9884-66D6E1BC90E4}" type="pres">
+      <dgm:prSet presAssocID="{A2F21BE1-0E04-46D9-A835-BD6212807359}" presName="compNode" presStyleCnt="0"/>
+      <dgm:spPr/>
+    </dgm:pt>
+    <dgm:pt modelId="{E2867464-24DC-4366-87AE-59BBBAF00866}" type="pres">
+      <dgm:prSet presAssocID="{A2F21BE1-0E04-46D9-A835-BD6212807359}" presName="iconBgRect" presStyleLbl="bgShp" presStyleIdx="1" presStyleCnt="3"/>
+      <dgm:spPr/>
+    </dgm:pt>
+    <dgm:pt modelId="{CD3BA265-7879-424E-A7C4-706429339C82}" type="pres">
+      <dgm:prSet presAssocID="{A2F21BE1-0E04-46D9-A835-BD6212807359}" presName="iconRect" presStyleLbl="node1" presStyleIdx="1" presStyleCnt="3"/>
+      <dgm:spPr>
+        <a:blipFill>
+          <a:blip xmlns:r="http://schemas.openxmlformats.org/officeDocument/2006/relationships" r:embed="rId3">
+            <a:extLst>
+              <a:ext uri="{28A0092B-C50C-407E-A947-70E740481C1C}">
+                <a14:useLocalDpi xmlns:a14="http://schemas.microsoft.com/office/drawing/2010/main" val="0"/>
+              </a:ext>
+              <a:ext uri="{96DAC541-7B7A-43D3-8B79-37D633B846F1}">
+                <asvg:svgBlip xmlns:asvg="http://schemas.microsoft.com/office/drawing/2016/SVG/main" r:embed="rId4"/>
+              </a:ext>
+            </a:extLst>
+          </a:blip>
+          <a:stretch>
+            <a:fillRect/>
+          </a:stretch>
+        </a:blipFill>
+        <a:ln>
+          <a:noFill/>
+        </a:ln>
+      </dgm:spPr>
+      <dgm:extLst>
+        <a:ext uri="{E40237B7-FDA0-4F09-8148-C483321AD2D9}">
+          <dgm14:cNvPr xmlns:dgm14="http://schemas.microsoft.com/office/drawing/2010/diagram" id="0" name="" descr="Database"/>
+        </a:ext>
+      </dgm:extLst>
+    </dgm:pt>
+    <dgm:pt modelId="{B3B1DCA9-D752-4913-A5DE-6FAA17120B77}" type="pres">
+      <dgm:prSet presAssocID="{A2F21BE1-0E04-46D9-A835-BD6212807359}" presName="spaceRect" presStyleCnt="0"/>
+      <dgm:spPr/>
+    </dgm:pt>
+    <dgm:pt modelId="{51FE6188-C45D-44DE-998A-22797C81FCEF}" type="pres">
+      <dgm:prSet presAssocID="{A2F21BE1-0E04-46D9-A835-BD6212807359}" presName="textRect" presStyleLbl="revTx" presStyleIdx="1" presStyleCnt="3">
+        <dgm:presLayoutVars>
+          <dgm:chMax val="1"/>
+          <dgm:chPref val="1"/>
+        </dgm:presLayoutVars>
+      </dgm:prSet>
+      <dgm:spPr/>
+    </dgm:pt>
+    <dgm:pt modelId="{6E00421A-1014-4969-A89F-75BBE1815DC8}" type="pres">
+      <dgm:prSet presAssocID="{A7704C3E-F92C-49D0-AFD7-2D061DFEB345}" presName="sibTrans" presStyleCnt="0"/>
+      <dgm:spPr/>
+    </dgm:pt>
+    <dgm:pt modelId="{8E4E6BE2-FFE6-4EDB-9113-517BBAAED80F}" type="pres">
+      <dgm:prSet presAssocID="{4720A9A0-5128-423B-9378-70065D5F9963}" presName="compNode" presStyleCnt="0"/>
+      <dgm:spPr/>
+    </dgm:pt>
+    <dgm:pt modelId="{8FB9CF62-E917-4EFF-B662-41109F0DD153}" type="pres">
+      <dgm:prSet presAssocID="{4720A9A0-5128-423B-9378-70065D5F9963}" presName="iconBgRect" presStyleLbl="bgShp" presStyleIdx="2" presStyleCnt="3"/>
+      <dgm:spPr/>
+    </dgm:pt>
+    <dgm:pt modelId="{F099B19F-7375-4177-ABDB-05B0D7F1BD8B}" type="pres">
+      <dgm:prSet presAssocID="{4720A9A0-5128-423B-9378-70065D5F9963}" presName="iconRect" presStyleLbl="node1" presStyleIdx="2" presStyleCnt="3"/>
+      <dgm:spPr>
+        <a:blipFill>
+          <a:blip xmlns:r="http://schemas.openxmlformats.org/officeDocument/2006/relationships" r:embed="rId5">
+            <a:extLst>
+              <a:ext uri="{28A0092B-C50C-407E-A947-70E740481C1C}">
+                <a14:useLocalDpi xmlns:a14="http://schemas.microsoft.com/office/drawing/2010/main" val="0"/>
+              </a:ext>
+              <a:ext uri="{96DAC541-7B7A-43D3-8B79-37D633B846F1}">
+                <asvg:svgBlip xmlns:asvg="http://schemas.microsoft.com/office/drawing/2016/SVG/main" r:embed="rId6"/>
+              </a:ext>
+            </a:extLst>
+          </a:blip>
+          <a:stretch>
+            <a:fillRect/>
+          </a:stretch>
+        </a:blipFill>
+        <a:ln>
+          <a:noFill/>
+        </a:ln>
+      </dgm:spPr>
+      <dgm:extLst>
+        <a:ext uri="{E40237B7-FDA0-4F09-8148-C483321AD2D9}">
+          <dgm14:cNvPr xmlns:dgm14="http://schemas.microsoft.com/office/drawing/2010/diagram" id="0" name="" descr="Waiter"/>
+        </a:ext>
+      </dgm:extLst>
+    </dgm:pt>
+    <dgm:pt modelId="{2BC4150A-0C48-423E-B6C3-D21EFA12D720}" type="pres">
+      <dgm:prSet presAssocID="{4720A9A0-5128-423B-9378-70065D5F9963}" presName="spaceRect" presStyleCnt="0"/>
+      <dgm:spPr/>
+    </dgm:pt>
+    <dgm:pt modelId="{35488E36-8229-4A42-AA33-7F815EB85EA3}" type="pres">
+      <dgm:prSet presAssocID="{4720A9A0-5128-423B-9378-70065D5F9963}" presName="textRect" presStyleLbl="revTx" presStyleIdx="2" presStyleCnt="3">
+        <dgm:presLayoutVars>
+          <dgm:chMax val="1"/>
+          <dgm:chPref val="1"/>
+        </dgm:presLayoutVars>
+      </dgm:prSet>
+      <dgm:spPr/>
+    </dgm:pt>
+  </dgm:ptLst>
+  <dgm:cxnLst>
+    <dgm:cxn modelId="{C66F2959-50D0-4C76-B718-063C199FD629}" type="presOf" srcId="{4720A9A0-5128-423B-9378-70065D5F9963}" destId="{35488E36-8229-4A42-AA33-7F815EB85EA3}" srcOrd="0" destOrd="0" presId="urn:microsoft.com/office/officeart/2018/5/layout/IconCircleLabelList"/>
+    <dgm:cxn modelId="{CC417FA5-0FBE-4F69-A037-F6CF53E6648C}" srcId="{5E36BA5C-F8BF-42EF-B7FD-493605BF1801}" destId="{4720A9A0-5128-423B-9378-70065D5F9963}" srcOrd="2" destOrd="0" parTransId="{029E6CF9-3055-4910-92CB-84943A4702C6}" sibTransId="{73248637-FC85-4F70-B564-DCC0F3FC8B04}"/>
+    <dgm:cxn modelId="{61A3C5BE-1D7F-49C8-888D-1DCD887776E3}" type="presOf" srcId="{A2F21BE1-0E04-46D9-A835-BD6212807359}" destId="{51FE6188-C45D-44DE-998A-22797C81FCEF}" srcOrd="0" destOrd="0" presId="urn:microsoft.com/office/officeart/2018/5/layout/IconCircleLabelList"/>
+    <dgm:cxn modelId="{6E3530C0-1F47-4972-B0FC-B153F963B7AB}" type="presOf" srcId="{5E36BA5C-F8BF-42EF-B7FD-493605BF1801}" destId="{5D3A76C3-C6C8-4307-B505-5940EADC6EEA}" srcOrd="0" destOrd="0" presId="urn:microsoft.com/office/officeart/2018/5/layout/IconCircleLabelList"/>
+    <dgm:cxn modelId="{D43B95C1-1D1E-4CFF-AE6B-391AD8827F4F}" srcId="{5E36BA5C-F8BF-42EF-B7FD-493605BF1801}" destId="{028342D9-FCCC-4FA6-A8F1-AED1A32C888E}" srcOrd="0" destOrd="0" parTransId="{9D5F2C60-B492-4FC6-AAE5-60BC623B87CF}" sibTransId="{F48EFC21-8029-4EE7-AAFE-AD95B169F4FE}"/>
+    <dgm:cxn modelId="{4760F0E7-A143-42FC-9F45-B0A015F69F74}" srcId="{5E36BA5C-F8BF-42EF-B7FD-493605BF1801}" destId="{A2F21BE1-0E04-46D9-A835-BD6212807359}" srcOrd="1" destOrd="0" parTransId="{0297F8A9-05E6-4BDC-B293-470E2934B875}" sibTransId="{A7704C3E-F92C-49D0-AFD7-2D061DFEB345}"/>
+    <dgm:cxn modelId="{AC6250EE-0077-43A6-8FF2-1788178356DC}" type="presOf" srcId="{028342D9-FCCC-4FA6-A8F1-AED1A32C888E}" destId="{6F4A6CB5-9646-40CC-9A43-CFC7B70FB189}" srcOrd="0" destOrd="0" presId="urn:microsoft.com/office/officeart/2018/5/layout/IconCircleLabelList"/>
+    <dgm:cxn modelId="{A493CA3C-629F-4DA1-85C4-F931CE300F74}" type="presParOf" srcId="{5D3A76C3-C6C8-4307-B505-5940EADC6EEA}" destId="{20822693-3337-4324-92DD-3E9946048603}" srcOrd="0" destOrd="0" presId="urn:microsoft.com/office/officeart/2018/5/layout/IconCircleLabelList"/>
+    <dgm:cxn modelId="{217D7ED4-3481-4D9C-92B9-830E54182E8A}" type="presParOf" srcId="{20822693-3337-4324-92DD-3E9946048603}" destId="{1BE6A3F4-110C-4C4E-84B4-DCA9C8F1E010}" srcOrd="0" destOrd="0" presId="urn:microsoft.com/office/officeart/2018/5/layout/IconCircleLabelList"/>
+    <dgm:cxn modelId="{96EAA307-0041-475B-8425-64E26E8EBB88}" type="presParOf" srcId="{20822693-3337-4324-92DD-3E9946048603}" destId="{C35DD098-964B-461D-8836-7C4F4921B324}" srcOrd="1" destOrd="0" presId="urn:microsoft.com/office/officeart/2018/5/layout/IconCircleLabelList"/>
+    <dgm:cxn modelId="{7F121FD5-0B6F-479F-876D-1B382AEB88DD}" type="presParOf" srcId="{20822693-3337-4324-92DD-3E9946048603}" destId="{D2B6F3EE-92F9-446E-8456-9C36FA476017}" srcOrd="2" destOrd="0" presId="urn:microsoft.com/office/officeart/2018/5/layout/IconCircleLabelList"/>
+    <dgm:cxn modelId="{1351B515-AD46-4A21-9370-19506747D6CE}" type="presParOf" srcId="{20822693-3337-4324-92DD-3E9946048603}" destId="{6F4A6CB5-9646-40CC-9A43-CFC7B70FB189}" srcOrd="3" destOrd="0" presId="urn:microsoft.com/office/officeart/2018/5/layout/IconCircleLabelList"/>
+    <dgm:cxn modelId="{E348007B-4EF0-4103-B3E7-5CA81A124BA8}" type="presParOf" srcId="{5D3A76C3-C6C8-4307-B505-5940EADC6EEA}" destId="{326B9451-734A-46CD-BCB6-0449CD022C5F}" srcOrd="1" destOrd="0" presId="urn:microsoft.com/office/officeart/2018/5/layout/IconCircleLabelList"/>
+    <dgm:cxn modelId="{1BFA3399-0828-4A85-87CA-C975F1413714}" type="presParOf" srcId="{5D3A76C3-C6C8-4307-B505-5940EADC6EEA}" destId="{C17C7DAB-1A46-495F-9884-66D6E1BC90E4}" srcOrd="2" destOrd="0" presId="urn:microsoft.com/office/officeart/2018/5/layout/IconCircleLabelList"/>
+    <dgm:cxn modelId="{BA571181-ED69-4715-A60C-45FE422CCCA0}" type="presParOf" srcId="{C17C7DAB-1A46-495F-9884-66D6E1BC90E4}" destId="{E2867464-24DC-4366-87AE-59BBBAF00866}" srcOrd="0" destOrd="0" presId="urn:microsoft.com/office/officeart/2018/5/layout/IconCircleLabelList"/>
+    <dgm:cxn modelId="{50DEEE4A-BB43-45F7-AE66-48005798AB6E}" type="presParOf" srcId="{C17C7DAB-1A46-495F-9884-66D6E1BC90E4}" destId="{CD3BA265-7879-424E-A7C4-706429339C82}" srcOrd="1" destOrd="0" presId="urn:microsoft.com/office/officeart/2018/5/layout/IconCircleLabelList"/>
+    <dgm:cxn modelId="{384078FB-6951-413D-B124-0F8D1876BAD5}" type="presParOf" srcId="{C17C7DAB-1A46-495F-9884-66D6E1BC90E4}" destId="{B3B1DCA9-D752-4913-A5DE-6FAA17120B77}" srcOrd="2" destOrd="0" presId="urn:microsoft.com/office/officeart/2018/5/layout/IconCircleLabelList"/>
+    <dgm:cxn modelId="{BB261619-5945-4071-8CDC-D2451E69EE1F}" type="presParOf" srcId="{C17C7DAB-1A46-495F-9884-66D6E1BC90E4}" destId="{51FE6188-C45D-44DE-998A-22797C81FCEF}" srcOrd="3" destOrd="0" presId="urn:microsoft.com/office/officeart/2018/5/layout/IconCircleLabelList"/>
+    <dgm:cxn modelId="{211B6362-0CAE-4D44-B6A7-1D5F80113B19}" type="presParOf" srcId="{5D3A76C3-C6C8-4307-B505-5940EADC6EEA}" destId="{6E00421A-1014-4969-A89F-75BBE1815DC8}" srcOrd="3" destOrd="0" presId="urn:microsoft.com/office/officeart/2018/5/layout/IconCircleLabelList"/>
+    <dgm:cxn modelId="{D11594CC-2A50-4EF8-9493-7404661E7A35}" type="presParOf" srcId="{5D3A76C3-C6C8-4307-B505-5940EADC6EEA}" destId="{8E4E6BE2-FFE6-4EDB-9113-517BBAAED80F}" srcOrd="4" destOrd="0" presId="urn:microsoft.com/office/officeart/2018/5/layout/IconCircleLabelList"/>
+    <dgm:cxn modelId="{2B3FFA65-6C38-4DFB-8708-7ED141865986}" type="presParOf" srcId="{8E4E6BE2-FFE6-4EDB-9113-517BBAAED80F}" destId="{8FB9CF62-E917-4EFF-B662-41109F0DD153}" srcOrd="0" destOrd="0" presId="urn:microsoft.com/office/officeart/2018/5/layout/IconCircleLabelList"/>
+    <dgm:cxn modelId="{91F891FB-5E4E-4BD3-83F4-99FED9C1679C}" type="presParOf" srcId="{8E4E6BE2-FFE6-4EDB-9113-517BBAAED80F}" destId="{F099B19F-7375-4177-ABDB-05B0D7F1BD8B}" srcOrd="1" destOrd="0" presId="urn:microsoft.com/office/officeart/2018/5/layout/IconCircleLabelList"/>
+    <dgm:cxn modelId="{C51D221B-BBF8-4911-B973-8083F48F256D}" type="presParOf" srcId="{8E4E6BE2-FFE6-4EDB-9113-517BBAAED80F}" destId="{2BC4150A-0C48-423E-B6C3-D21EFA12D720}" srcOrd="2" destOrd="0" presId="urn:microsoft.com/office/officeart/2018/5/layout/IconCircleLabelList"/>
+    <dgm:cxn modelId="{0B70A7AF-E804-4B95-9A92-DE7F72014616}" type="presParOf" srcId="{8E4E6BE2-FFE6-4EDB-9113-517BBAAED80F}" destId="{35488E36-8229-4A42-AA33-7F815EB85EA3}" srcOrd="3" destOrd="0" presId="urn:microsoft.com/office/officeart/2018/5/layout/IconCircleLabelList"/>
   </dgm:cxnLst>
   <dgm:bg/>
   <dgm:whole/>
@@ -8206,8 +9479,8 @@
             <a:buNone/>
           </a:pPr>
           <a:r>
-            <a:rPr lang="en-US" sz="2500" kern="1200"/>
-            <a:t>Dataset focuses on services provided by the foody pantry and clothing closet</a:t>
+            <a:rPr lang="en-US" sz="2500" kern="1200" dirty="0"/>
+            <a:t>Dataset focuses on services provided by the food pantry and clothing closet</a:t>
           </a:r>
         </a:p>
       </dsp:txBody>
@@ -8670,7 +9943,7 @@
           </a:pPr>
           <a:r>
             <a:rPr lang="en-US" sz="1900" kern="1200" dirty="0"/>
-            <a:t>The median number of visits per neighbor: 2</a:t>
+            <a:t>The median number of encounters per neighbor: 2</a:t>
           </a:r>
         </a:p>
       </dsp:txBody>
@@ -9281,6 +10554,489 @@
       <dsp:txXfrm>
         <a:off x="1085908" y="4705317"/>
         <a:ext cx="5711766" cy="940180"/>
+      </dsp:txXfrm>
+    </dsp:sp>
+  </dsp:spTree>
+</dsp:drawing>
+</file>
+
+<file path=ppt/diagrams/drawing6.xml><?xml version="1.0" encoding="utf-8"?>
+<dsp:drawing xmlns:dgm="http://schemas.openxmlformats.org/drawingml/2006/diagram" xmlns:dsp="http://schemas.microsoft.com/office/drawing/2008/diagram" xmlns:a="http://schemas.openxmlformats.org/drawingml/2006/main">
+  <dsp:spTree>
+    <dsp:nvGrpSpPr>
+      <dsp:cNvPr id="0" name=""/>
+      <dsp:cNvGrpSpPr/>
+    </dsp:nvGrpSpPr>
+    <dsp:grpSpPr/>
+    <dsp:sp modelId="{1BE6A3F4-110C-4C4E-84B4-DCA9C8F1E010}">
+      <dsp:nvSpPr>
+        <dsp:cNvPr id="0" name=""/>
+        <dsp:cNvSpPr/>
+      </dsp:nvSpPr>
+      <dsp:spPr>
+        <a:xfrm>
+          <a:off x="616949" y="340539"/>
+          <a:ext cx="1818562" cy="1818562"/>
+        </a:xfrm>
+        <a:prstGeom prst="ellipse">
+          <a:avLst/>
+        </a:prstGeom>
+        <a:solidFill>
+          <a:schemeClr val="accent2">
+            <a:hueOff val="0"/>
+            <a:satOff val="0"/>
+            <a:lumOff val="0"/>
+            <a:alphaOff val="0"/>
+          </a:schemeClr>
+        </a:solidFill>
+        <a:ln>
+          <a:noFill/>
+        </a:ln>
+        <a:effectLst/>
+      </dsp:spPr>
+      <dsp:style>
+        <a:lnRef idx="0">
+          <a:scrgbClr r="0" g="0" b="0"/>
+        </a:lnRef>
+        <a:fillRef idx="1">
+          <a:scrgbClr r="0" g="0" b="0"/>
+        </a:fillRef>
+        <a:effectRef idx="0">
+          <a:scrgbClr r="0" g="0" b="0"/>
+        </a:effectRef>
+        <a:fontRef idx="minor"/>
+      </dsp:style>
+    </dsp:sp>
+    <dsp:sp modelId="{C35DD098-964B-461D-8836-7C4F4921B324}">
+      <dsp:nvSpPr>
+        <dsp:cNvPr id="0" name=""/>
+        <dsp:cNvSpPr/>
+      </dsp:nvSpPr>
+      <dsp:spPr>
+        <a:xfrm>
+          <a:off x="1004512" y="728102"/>
+          <a:ext cx="1043437" cy="1043437"/>
+        </a:xfrm>
+        <a:prstGeom prst="rect">
+          <a:avLst/>
+        </a:prstGeom>
+        <a:blipFill>
+          <a:blip xmlns:r="http://schemas.openxmlformats.org/officeDocument/2006/relationships" r:embed="rId1">
+            <a:extLst>
+              <a:ext uri="{28A0092B-C50C-407E-A947-70E740481C1C}">
+                <a14:useLocalDpi xmlns:a14="http://schemas.microsoft.com/office/drawing/2010/main" val="0"/>
+              </a:ext>
+              <a:ext uri="{96DAC541-7B7A-43D3-8B79-37D633B846F1}">
+                <asvg:svgBlip xmlns:asvg="http://schemas.microsoft.com/office/drawing/2016/SVG/main" r:embed="rId2"/>
+              </a:ext>
+            </a:extLst>
+          </a:blip>
+          <a:stretch>
+            <a:fillRect/>
+          </a:stretch>
+        </a:blipFill>
+        <a:ln w="15875" cap="flat" cmpd="sng" algn="ctr">
+          <a:noFill/>
+          <a:prstDash val="solid"/>
+        </a:ln>
+        <a:effectLst/>
+      </dsp:spPr>
+      <dsp:style>
+        <a:lnRef idx="2">
+          <a:scrgbClr r="0" g="0" b="0"/>
+        </a:lnRef>
+        <a:fillRef idx="1">
+          <a:scrgbClr r="0" g="0" b="0"/>
+        </a:fillRef>
+        <a:effectRef idx="0">
+          <a:scrgbClr r="0" g="0" b="0"/>
+        </a:effectRef>
+        <a:fontRef idx="minor">
+          <a:schemeClr val="lt1"/>
+        </a:fontRef>
+      </dsp:style>
+    </dsp:sp>
+    <dsp:sp modelId="{6F4A6CB5-9646-40CC-9A43-CFC7B70FB189}">
+      <dsp:nvSpPr>
+        <dsp:cNvPr id="0" name=""/>
+        <dsp:cNvSpPr/>
+      </dsp:nvSpPr>
+      <dsp:spPr>
+        <a:xfrm>
+          <a:off x="35606" y="2725540"/>
+          <a:ext cx="2981250" cy="720000"/>
+        </a:xfrm>
+        <a:prstGeom prst="rect">
+          <a:avLst/>
+        </a:prstGeom>
+        <a:noFill/>
+        <a:ln>
+          <a:noFill/>
+        </a:ln>
+        <a:effectLst/>
+      </dsp:spPr>
+      <dsp:style>
+        <a:lnRef idx="0">
+          <a:scrgbClr r="0" g="0" b="0"/>
+        </a:lnRef>
+        <a:fillRef idx="0">
+          <a:scrgbClr r="0" g="0" b="0"/>
+        </a:fillRef>
+        <a:effectRef idx="0">
+          <a:scrgbClr r="0" g="0" b="0"/>
+        </a:effectRef>
+        <a:fontRef idx="minor"/>
+      </dsp:style>
+      <dsp:txBody>
+        <a:bodyPr spcFirstLastPara="0" vert="horz" wrap="square" lIns="0" tIns="0" rIns="0" bIns="0" numCol="1" spcCol="1270" anchor="t" anchorCtr="0">
+          <a:noAutofit/>
+        </a:bodyPr>
+        <a:lstStyle/>
+        <a:p>
+          <a:pPr marL="0" lvl="0" indent="0" algn="ctr" defTabSz="666750">
+            <a:lnSpc>
+              <a:spcPct val="90000"/>
+            </a:lnSpc>
+            <a:spcBef>
+              <a:spcPct val="0"/>
+            </a:spcBef>
+            <a:spcAft>
+              <a:spcPct val="35000"/>
+            </a:spcAft>
+            <a:buNone/>
+            <a:defRPr cap="all"/>
+          </a:pPr>
+          <a:r>
+            <a:rPr lang="en-US" sz="1500" kern="1200" dirty="0"/>
+            <a:t>Deliverables: </a:t>
+          </a:r>
+        </a:p>
+        <a:p>
+          <a:pPr marL="0" lvl="0" indent="0" algn="ctr" defTabSz="666750">
+            <a:lnSpc>
+              <a:spcPct val="90000"/>
+            </a:lnSpc>
+            <a:spcBef>
+              <a:spcPct val="0"/>
+            </a:spcBef>
+            <a:spcAft>
+              <a:spcPct val="35000"/>
+            </a:spcAft>
+            <a:buNone/>
+            <a:defRPr cap="all"/>
+          </a:pPr>
+          <a:r>
+            <a:rPr lang="en-US" sz="1500" kern="1200" dirty="0"/>
+            <a:t>Executive Summary and Detailed Analysis Reports on </a:t>
+          </a:r>
+          <a:r>
+            <a:rPr lang="en-US" sz="1500" kern="1200" dirty="0" err="1"/>
+            <a:t>Github</a:t>
+          </a:r>
+          <a:endParaRPr lang="en-US" sz="1500" kern="1200" dirty="0"/>
+        </a:p>
+      </dsp:txBody>
+      <dsp:txXfrm>
+        <a:off x="35606" y="2725540"/>
+        <a:ext cx="2981250" cy="720000"/>
+      </dsp:txXfrm>
+    </dsp:sp>
+    <dsp:sp modelId="{E2867464-24DC-4366-87AE-59BBBAF00866}">
+      <dsp:nvSpPr>
+        <dsp:cNvPr id="0" name=""/>
+        <dsp:cNvSpPr/>
+      </dsp:nvSpPr>
+      <dsp:spPr>
+        <a:xfrm>
+          <a:off x="4119918" y="340539"/>
+          <a:ext cx="1818562" cy="1818562"/>
+        </a:xfrm>
+        <a:prstGeom prst="ellipse">
+          <a:avLst/>
+        </a:prstGeom>
+        <a:solidFill>
+          <a:schemeClr val="accent3">
+            <a:hueOff val="0"/>
+            <a:satOff val="0"/>
+            <a:lumOff val="0"/>
+            <a:alphaOff val="0"/>
+          </a:schemeClr>
+        </a:solidFill>
+        <a:ln>
+          <a:noFill/>
+        </a:ln>
+        <a:effectLst/>
+      </dsp:spPr>
+      <dsp:style>
+        <a:lnRef idx="0">
+          <a:scrgbClr r="0" g="0" b="0"/>
+        </a:lnRef>
+        <a:fillRef idx="1">
+          <a:scrgbClr r="0" g="0" b="0"/>
+        </a:fillRef>
+        <a:effectRef idx="0">
+          <a:scrgbClr r="0" g="0" b="0"/>
+        </a:effectRef>
+        <a:fontRef idx="minor"/>
+      </dsp:style>
+    </dsp:sp>
+    <dsp:sp modelId="{CD3BA265-7879-424E-A7C4-706429339C82}">
+      <dsp:nvSpPr>
+        <dsp:cNvPr id="0" name=""/>
+        <dsp:cNvSpPr/>
+      </dsp:nvSpPr>
+      <dsp:spPr>
+        <a:xfrm>
+          <a:off x="4507481" y="728102"/>
+          <a:ext cx="1043437" cy="1043437"/>
+        </a:xfrm>
+        <a:prstGeom prst="rect">
+          <a:avLst/>
+        </a:prstGeom>
+        <a:blipFill>
+          <a:blip xmlns:r="http://schemas.openxmlformats.org/officeDocument/2006/relationships" r:embed="rId3">
+            <a:extLst>
+              <a:ext uri="{28A0092B-C50C-407E-A947-70E740481C1C}">
+                <a14:useLocalDpi xmlns:a14="http://schemas.microsoft.com/office/drawing/2010/main" val="0"/>
+              </a:ext>
+              <a:ext uri="{96DAC541-7B7A-43D3-8B79-37D633B846F1}">
+                <asvg:svgBlip xmlns:asvg="http://schemas.microsoft.com/office/drawing/2016/SVG/main" r:embed="rId4"/>
+              </a:ext>
+            </a:extLst>
+          </a:blip>
+          <a:stretch>
+            <a:fillRect/>
+          </a:stretch>
+        </a:blipFill>
+        <a:ln w="15875" cap="flat" cmpd="sng" algn="ctr">
+          <a:noFill/>
+          <a:prstDash val="solid"/>
+        </a:ln>
+        <a:effectLst/>
+      </dsp:spPr>
+      <dsp:style>
+        <a:lnRef idx="2">
+          <a:scrgbClr r="0" g="0" b="0"/>
+        </a:lnRef>
+        <a:fillRef idx="1">
+          <a:scrgbClr r="0" g="0" b="0"/>
+        </a:fillRef>
+        <a:effectRef idx="0">
+          <a:scrgbClr r="0" g="0" b="0"/>
+        </a:effectRef>
+        <a:fontRef idx="minor">
+          <a:schemeClr val="lt1"/>
+        </a:fontRef>
+      </dsp:style>
+    </dsp:sp>
+    <dsp:sp modelId="{51FE6188-C45D-44DE-998A-22797C81FCEF}">
+      <dsp:nvSpPr>
+        <dsp:cNvPr id="0" name=""/>
+        <dsp:cNvSpPr/>
+      </dsp:nvSpPr>
+      <dsp:spPr>
+        <a:xfrm>
+          <a:off x="3538574" y="2725540"/>
+          <a:ext cx="2981250" cy="720000"/>
+        </a:xfrm>
+        <a:prstGeom prst="rect">
+          <a:avLst/>
+        </a:prstGeom>
+        <a:noFill/>
+        <a:ln>
+          <a:noFill/>
+        </a:ln>
+        <a:effectLst/>
+      </dsp:spPr>
+      <dsp:style>
+        <a:lnRef idx="0">
+          <a:scrgbClr r="0" g="0" b="0"/>
+        </a:lnRef>
+        <a:fillRef idx="0">
+          <a:scrgbClr r="0" g="0" b="0"/>
+        </a:fillRef>
+        <a:effectRef idx="0">
+          <a:scrgbClr r="0" g="0" b="0"/>
+        </a:effectRef>
+        <a:fontRef idx="minor"/>
+      </dsp:style>
+      <dsp:txBody>
+        <a:bodyPr spcFirstLastPara="0" vert="horz" wrap="square" lIns="0" tIns="0" rIns="0" bIns="0" numCol="1" spcCol="1270" anchor="t" anchorCtr="0">
+          <a:noAutofit/>
+        </a:bodyPr>
+        <a:lstStyle/>
+        <a:p>
+          <a:pPr marL="0" lvl="0" indent="0" algn="ctr" defTabSz="666750">
+            <a:lnSpc>
+              <a:spcPct val="90000"/>
+            </a:lnSpc>
+            <a:spcBef>
+              <a:spcPct val="0"/>
+            </a:spcBef>
+            <a:spcAft>
+              <a:spcPct val="35000"/>
+            </a:spcAft>
+            <a:buNone/>
+            <a:defRPr cap="all"/>
+          </a:pPr>
+          <a:r>
+            <a:rPr lang="en-US" sz="1500" kern="1200" dirty="0"/>
+            <a:t>Incorporate data collection protocols and other datasets </a:t>
+          </a:r>
+        </a:p>
+      </dsp:txBody>
+      <dsp:txXfrm>
+        <a:off x="3538574" y="2725540"/>
+        <a:ext cx="2981250" cy="720000"/>
+      </dsp:txXfrm>
+    </dsp:sp>
+    <dsp:sp modelId="{8FB9CF62-E917-4EFF-B662-41109F0DD153}">
+      <dsp:nvSpPr>
+        <dsp:cNvPr id="0" name=""/>
+        <dsp:cNvSpPr/>
+      </dsp:nvSpPr>
+      <dsp:spPr>
+        <a:xfrm>
+          <a:off x="7622887" y="340539"/>
+          <a:ext cx="1818562" cy="1818562"/>
+        </a:xfrm>
+        <a:prstGeom prst="ellipse">
+          <a:avLst/>
+        </a:prstGeom>
+        <a:solidFill>
+          <a:schemeClr val="accent4">
+            <a:hueOff val="0"/>
+            <a:satOff val="0"/>
+            <a:lumOff val="0"/>
+            <a:alphaOff val="0"/>
+          </a:schemeClr>
+        </a:solidFill>
+        <a:ln>
+          <a:noFill/>
+        </a:ln>
+        <a:effectLst/>
+      </dsp:spPr>
+      <dsp:style>
+        <a:lnRef idx="0">
+          <a:scrgbClr r="0" g="0" b="0"/>
+        </a:lnRef>
+        <a:fillRef idx="1">
+          <a:scrgbClr r="0" g="0" b="0"/>
+        </a:fillRef>
+        <a:effectRef idx="0">
+          <a:scrgbClr r="0" g="0" b="0"/>
+        </a:effectRef>
+        <a:fontRef idx="minor"/>
+      </dsp:style>
+    </dsp:sp>
+    <dsp:sp modelId="{F099B19F-7375-4177-ABDB-05B0D7F1BD8B}">
+      <dsp:nvSpPr>
+        <dsp:cNvPr id="0" name=""/>
+        <dsp:cNvSpPr/>
+      </dsp:nvSpPr>
+      <dsp:spPr>
+        <a:xfrm>
+          <a:off x="8010450" y="728102"/>
+          <a:ext cx="1043437" cy="1043437"/>
+        </a:xfrm>
+        <a:prstGeom prst="rect">
+          <a:avLst/>
+        </a:prstGeom>
+        <a:blipFill>
+          <a:blip xmlns:r="http://schemas.openxmlformats.org/officeDocument/2006/relationships" r:embed="rId5">
+            <a:extLst>
+              <a:ext uri="{28A0092B-C50C-407E-A947-70E740481C1C}">
+                <a14:useLocalDpi xmlns:a14="http://schemas.microsoft.com/office/drawing/2010/main" val="0"/>
+              </a:ext>
+              <a:ext uri="{96DAC541-7B7A-43D3-8B79-37D633B846F1}">
+                <asvg:svgBlip xmlns:asvg="http://schemas.microsoft.com/office/drawing/2016/SVG/main" r:embed="rId6"/>
+              </a:ext>
+            </a:extLst>
+          </a:blip>
+          <a:stretch>
+            <a:fillRect/>
+          </a:stretch>
+        </a:blipFill>
+        <a:ln w="15875" cap="flat" cmpd="sng" algn="ctr">
+          <a:noFill/>
+          <a:prstDash val="solid"/>
+        </a:ln>
+        <a:effectLst/>
+      </dsp:spPr>
+      <dsp:style>
+        <a:lnRef idx="2">
+          <a:scrgbClr r="0" g="0" b="0"/>
+        </a:lnRef>
+        <a:fillRef idx="1">
+          <a:scrgbClr r="0" g="0" b="0"/>
+        </a:fillRef>
+        <a:effectRef idx="0">
+          <a:scrgbClr r="0" g="0" b="0"/>
+        </a:effectRef>
+        <a:fontRef idx="minor">
+          <a:schemeClr val="lt1"/>
+        </a:fontRef>
+      </dsp:style>
+    </dsp:sp>
+    <dsp:sp modelId="{35488E36-8229-4A42-AA33-7F815EB85EA3}">
+      <dsp:nvSpPr>
+        <dsp:cNvPr id="0" name=""/>
+        <dsp:cNvSpPr/>
+      </dsp:nvSpPr>
+      <dsp:spPr>
+        <a:xfrm>
+          <a:off x="7041543" y="2725540"/>
+          <a:ext cx="2981250" cy="720000"/>
+        </a:xfrm>
+        <a:prstGeom prst="rect">
+          <a:avLst/>
+        </a:prstGeom>
+        <a:noFill/>
+        <a:ln>
+          <a:noFill/>
+        </a:ln>
+        <a:effectLst/>
+      </dsp:spPr>
+      <dsp:style>
+        <a:lnRef idx="0">
+          <a:scrgbClr r="0" g="0" b="0"/>
+        </a:lnRef>
+        <a:fillRef idx="0">
+          <a:scrgbClr r="0" g="0" b="0"/>
+        </a:fillRef>
+        <a:effectRef idx="0">
+          <a:scrgbClr r="0" g="0" b="0"/>
+        </a:effectRef>
+        <a:fontRef idx="minor"/>
+      </dsp:style>
+      <dsp:txBody>
+        <a:bodyPr spcFirstLastPara="0" vert="horz" wrap="square" lIns="0" tIns="0" rIns="0" bIns="0" numCol="1" spcCol="1270" anchor="t" anchorCtr="0">
+          <a:noAutofit/>
+        </a:bodyPr>
+        <a:lstStyle/>
+        <a:p>
+          <a:pPr marL="0" lvl="0" indent="0" algn="ctr" defTabSz="666750">
+            <a:lnSpc>
+              <a:spcPct val="90000"/>
+            </a:lnSpc>
+            <a:spcBef>
+              <a:spcPct val="0"/>
+            </a:spcBef>
+            <a:spcAft>
+              <a:spcPct val="35000"/>
+            </a:spcAft>
+            <a:buNone/>
+            <a:defRPr cap="all"/>
+          </a:pPr>
+          <a:r>
+            <a:rPr lang="en-US" sz="1500" kern="1200"/>
+            <a:t>Study neighbors who are high service utilizers and how UMD can best serve them</a:t>
+          </a:r>
+        </a:p>
+      </dsp:txBody>
+      <dsp:txXfrm>
+        <a:off x="7041543" y="2725540"/>
+        <a:ext cx="2981250" cy="720000"/>
       </dsp:txXfrm>
     </dsp:sp>
   </dsp:spTree>
@@ -10470,6 +12226,221 @@
 </dgm:layoutDef>
 </file>
 
+<file path=ppt/diagrams/layout6.xml><?xml version="1.0" encoding="utf-8"?>
+<dgm:layoutDef xmlns:dgm="http://schemas.openxmlformats.org/drawingml/2006/diagram" xmlns:a="http://schemas.openxmlformats.org/drawingml/2006/main" uniqueId="urn:microsoft.com/office/officeart/2018/5/layout/IconCircleLabelList">
+  <dgm:title val="Icon Circle Label List"/>
+  <dgm:desc val="Use to show non-sequential or grouped chunks of information accompanied by a related visuals. Works best with icons or small pictures with short text captions."/>
+  <dgm:catLst>
+    <dgm:cat type="icon" pri="500"/>
+  </dgm:catLst>
+  <dgm:sampData useDef="1">
+    <dgm:dataModel>
+      <dgm:ptLst/>
+      <dgm:bg/>
+      <dgm:whole/>
+    </dgm:dataModel>
+  </dgm:sampData>
+  <dgm:styleData useDef="1">
+    <dgm:dataModel>
+      <dgm:ptLst/>
+      <dgm:bg/>
+      <dgm:whole/>
+    </dgm:dataModel>
+  </dgm:styleData>
+  <dgm:clrData useDef="1">
+    <dgm:dataModel>
+      <dgm:ptLst/>
+      <dgm:bg/>
+      <dgm:whole/>
+    </dgm:dataModel>
+  </dgm:clrData>
+  <dgm:layoutNode name="root">
+    <dgm:varLst>
+      <dgm:dir/>
+      <dgm:resizeHandles val="exact"/>
+    </dgm:varLst>
+    <dgm:choose name="Name0">
+      <dgm:if name="Name1" axis="self" func="var" arg="dir" op="equ" val="norm">
+        <dgm:alg type="snake">
+          <dgm:param type="grDir" val="tL"/>
+          <dgm:param type="flowDir" val="row"/>
+          <dgm:param type="contDir" val="sameDir"/>
+          <dgm:param type="off" val="ctr"/>
+          <dgm:param type="vertAlign" val="mid"/>
+          <dgm:param type="horzAlign" val="ctr"/>
+        </dgm:alg>
+      </dgm:if>
+      <dgm:else name="Name2">
+        <dgm:alg type="snake">
+          <dgm:param type="grDir" val="tR"/>
+          <dgm:param type="flowDir" val="row"/>
+          <dgm:param type="contDir" val="sameDir"/>
+          <dgm:param type="off" val="ctr"/>
+          <dgm:param type="vertAlign" val="mid"/>
+          <dgm:param type="horzAlign" val="ctr"/>
+        </dgm:alg>
+      </dgm:else>
+    </dgm:choose>
+    <dgm:shape xmlns:r="http://schemas.openxmlformats.org/officeDocument/2006/relationships" r:blip="">
+      <dgm:adjLst/>
+    </dgm:shape>
+    <dgm:presOf/>
+    <dgm:choose name="Name3">
+      <dgm:if name="Name4" axis="ch" ptType="node" func="cnt" op="lte" val="2">
+        <dgm:constrLst>
+          <dgm:constr type="h" for="ch" forName="compNode" refType="h" fact="0.4"/>
+          <dgm:constr type="w" for="ch" forName="compNode" val="100"/>
+          <dgm:constr type="w" for="ch" forName="sibTrans" refType="w" refFor="ch" refForName="compNode" fact="0.175"/>
+          <dgm:constr type="sp" refType="w" refFor="ch" refForName="compNode" op="equ" fact="0.25"/>
+          <dgm:constr type="primFontSz" for="des" ptType="node" op="equ" val="44"/>
+          <dgm:constr type="h" for="des" forName="compNode" op="equ"/>
+          <dgm:constr type="h" for="des" forName="textRect" op="equ"/>
+        </dgm:constrLst>
+      </dgm:if>
+      <dgm:if name="Name5" axis="ch" ptType="node" func="cnt" op="lte" val="3">
+        <dgm:constrLst>
+          <dgm:constr type="h" for="ch" forName="compNode" refType="h" fact="0.4"/>
+          <dgm:constr type="w" for="ch" forName="compNode" val="100"/>
+          <dgm:constr type="w" for="ch" forName="sibTrans" refType="w" refFor="ch" refForName="compNode" fact="0.175"/>
+          <dgm:constr type="sp" refType="w" refFor="ch" refForName="compNode" op="equ" fact="0.25"/>
+          <dgm:constr type="primFontSz" for="des" ptType="node" op="equ" val="40"/>
+          <dgm:constr type="h" for="des" forName="compNode" op="equ"/>
+          <dgm:constr type="h" for="des" forName="textRect" op="equ"/>
+        </dgm:constrLst>
+      </dgm:if>
+      <dgm:if name="Name6" axis="ch" ptType="node" func="cnt" op="lte" val="4">
+        <dgm:constrLst>
+          <dgm:constr type="h" for="ch" forName="compNode" refType="h" fact="0.4"/>
+          <dgm:constr type="w" for="ch" forName="compNode" refType="w"/>
+          <dgm:constr type="w" for="ch" forName="sibTrans" refType="w" refFor="ch" refForName="compNode" fact="0.175"/>
+          <dgm:constr type="sp" refType="w" refFor="ch" refForName="compNode" op="equ" fact="0.25"/>
+          <dgm:constr type="primFontSz" for="des" ptType="node" op="equ" val="32"/>
+          <dgm:constr type="h" for="des" forName="compNode" op="equ"/>
+          <dgm:constr type="h" for="des" forName="textRect" op="equ"/>
+        </dgm:constrLst>
+      </dgm:if>
+      <dgm:else name="Name7">
+        <dgm:constrLst>
+          <dgm:constr type="h" for="ch" forName="compNode" refType="h" fact="0.4"/>
+          <dgm:constr type="w" for="ch" forName="compNode" refType="w"/>
+          <dgm:constr type="w" for="ch" forName="sibTrans" refType="w" refFor="ch" refForName="compNode" fact="0.175"/>
+          <dgm:constr type="sp" refType="w" refFor="ch" refForName="compNode" op="equ" fact="0.25"/>
+          <dgm:constr type="primFontSz" for="des" ptType="node" op="equ" val="24"/>
+          <dgm:constr type="h" for="des" forName="compNode" op="equ"/>
+          <dgm:constr type="h" for="des" forName="textRect" op="equ"/>
+        </dgm:constrLst>
+      </dgm:else>
+    </dgm:choose>
+    <dgm:ruleLst>
+      <dgm:rule type="w" for="ch" forName="compNode" val="50" fact="NaN" max="NaN"/>
+    </dgm:ruleLst>
+    <dgm:forEach name="Name8" axis="ch" ptType="node">
+      <dgm:layoutNode name="compNode">
+        <dgm:alg type="composite"/>
+        <dgm:shape xmlns:r="http://schemas.openxmlformats.org/officeDocument/2006/relationships" r:blip="">
+          <dgm:adjLst/>
+        </dgm:shape>
+        <dgm:presOf axis="self"/>
+        <dgm:constrLst>
+          <dgm:constr type="w" for="ch" forName="iconBgRect" refType="w" fact="0.61"/>
+          <dgm:constr type="h" for="ch" forName="iconBgRect" refType="w" refFor="ch" refForName="iconBgRect"/>
+          <dgm:constr type="t" for="ch" forName="iconBgRect"/>
+          <dgm:constr type="ctrX" for="ch" forName="iconBgRect" refType="w" fact="0.5"/>
+          <dgm:constr type="w" for="ch" forName="iconRect" refType="w" fact="0.35"/>
+          <dgm:constr type="h" for="ch" forName="iconRect" refType="w" refFor="ch" refForName="iconRect"/>
+          <dgm:constr type="ctrX" for="ch" forName="iconRect" refType="ctrX" refFor="ch" refForName="iconBgRect"/>
+          <dgm:constr type="ctrY" for="ch" forName="iconRect" refType="ctrY" refFor="ch" refForName="iconBgRect"/>
+          <dgm:constr type="h" for="ch" forName="spaceRect" refType="w" fact="0.19"/>
+          <dgm:constr type="w" for="ch" forName="spaceRect" refType="w"/>
+          <dgm:constr type="l" for="ch" forName="spaceRect"/>
+          <dgm:constr type="t" for="ch" forName="spaceRect" refType="b" refFor="ch" refForName="iconBgRect"/>
+          <dgm:constr type="h" for="ch" forName="textRect" val="20"/>
+          <dgm:constr type="w" for="ch" forName="textRect" refType="w"/>
+          <dgm:constr type="l" for="ch" forName="textRect"/>
+          <dgm:constr type="t" for="ch" forName="textRect" refType="b" refFor="ch" refForName="spaceRect"/>
+        </dgm:constrLst>
+        <dgm:ruleLst>
+          <dgm:rule type="h" val="INF" fact="NaN" max="NaN"/>
+        </dgm:ruleLst>
+        <dgm:layoutNode name="iconBgRect" styleLbl="bgShp">
+          <dgm:alg type="sp"/>
+          <dgm:shape xmlns:r="http://schemas.openxmlformats.org/officeDocument/2006/relationships" type="ellipse" r:blip="">
+            <dgm:adjLst/>
+          </dgm:shape>
+          <dgm:presOf/>
+          <dgm:constrLst/>
+          <dgm:ruleLst/>
+        </dgm:layoutNode>
+        <dgm:layoutNode name="iconRect" styleLbl="node1">
+          <dgm:alg type="sp"/>
+          <dgm:shape xmlns:r="http://schemas.openxmlformats.org/officeDocument/2006/relationships" type="rect" r:blip="" blipPhldr="1">
+            <dgm:adjLst/>
+          </dgm:shape>
+          <dgm:presOf/>
+          <dgm:constrLst/>
+          <dgm:ruleLst/>
+        </dgm:layoutNode>
+        <dgm:layoutNode name="spaceRect">
+          <dgm:alg type="sp"/>
+          <dgm:shape xmlns:r="http://schemas.openxmlformats.org/officeDocument/2006/relationships" r:blip="">
+            <dgm:adjLst/>
+          </dgm:shape>
+          <dgm:presOf/>
+          <dgm:constrLst/>
+          <dgm:ruleLst/>
+        </dgm:layoutNode>
+        <dgm:layoutNode name="textRect" styleLbl="revTx">
+          <dgm:varLst>
+            <dgm:chMax val="1"/>
+            <dgm:chPref val="1"/>
+          </dgm:varLst>
+          <dgm:alg type="tx">
+            <dgm:param type="txAnchorVert" val="t"/>
+          </dgm:alg>
+          <dgm:shape xmlns:r="http://schemas.openxmlformats.org/officeDocument/2006/relationships" type="rect" r:blip="">
+            <dgm:adjLst/>
+          </dgm:shape>
+          <dgm:presOf axis="self" ptType="node"/>
+          <dgm:constrLst>
+            <dgm:constr type="lMarg"/>
+            <dgm:constr type="rMarg"/>
+            <dgm:constr type="tMarg"/>
+            <dgm:constr type="bMarg"/>
+          </dgm:constrLst>
+          <dgm:ruleLst>
+            <dgm:rule type="primFontSz" val="11" fact="NaN" max="NaN"/>
+            <dgm:rule type="h" val="INF" fact="NaN" max="NaN"/>
+          </dgm:ruleLst>
+        </dgm:layoutNode>
+      </dgm:layoutNode>
+      <dgm:forEach name="Name9" axis="followSib" ptType="sibTrans" cnt="1">
+        <dgm:layoutNode name="sibTrans">
+          <dgm:alg type="sp"/>
+          <dgm:shape xmlns:r="http://schemas.openxmlformats.org/officeDocument/2006/relationships" r:blip="">
+            <dgm:adjLst/>
+          </dgm:shape>
+          <dgm:presOf axis="self"/>
+          <dgm:constrLst/>
+          <dgm:ruleLst/>
+        </dgm:layoutNode>
+      </dgm:forEach>
+    </dgm:forEach>
+  </dgm:layoutNode>
+  <dgm:extLst>
+    <a:ext uri="{68A01E43-0DF5-4B5B-8FA6-DAF915123BFB}">
+      <dgm1612:lstStyle xmlns:dgm1612="http://schemas.microsoft.com/office/drawing/2016/12/diagram">
+        <a:lvl1pPr>
+          <a:lnSpc>
+            <a:spcPct val="100000"/>
+          </a:lnSpc>
+          <a:defRPr cap="all"/>
+        </a:lvl1pPr>
+      </dgm1612:lstStyle>
+    </a:ext>
+  </dgm:extLst>
+</dgm:layoutDef>
+</file>
+
 <file path=ppt/diagrams/quickStyle1.xml><?xml version="1.0" encoding="utf-8"?>
 <dgm:styleDef xmlns:dgm="http://schemas.openxmlformats.org/drawingml/2006/diagram" xmlns:a="http://schemas.openxmlformats.org/drawingml/2006/main" uniqueId="urn:microsoft.com/office/officeart/2005/8/quickstyle/simple1">
   <dgm:title val=""/>
@@ -14607,6 +16578,1040 @@
 </file>
 
 <file path=ppt/diagrams/quickStyle5.xml><?xml version="1.0" encoding="utf-8"?>
+<dgm:styleDef xmlns:dgm="http://schemas.openxmlformats.org/drawingml/2006/diagram" xmlns:a="http://schemas.openxmlformats.org/drawingml/2006/main" uniqueId="urn:microsoft.com/office/officeart/2005/8/quickstyle/simple1">
+  <dgm:title val=""/>
+  <dgm:desc val=""/>
+  <dgm:catLst>
+    <dgm:cat type="simple" pri="10100"/>
+  </dgm:catLst>
+  <dgm:scene3d>
+    <a:camera prst="orthographicFront"/>
+    <a:lightRig rig="threePt" dir="t"/>
+  </dgm:scene3d>
+  <dgm:styleLbl name="node0">
+    <dgm:scene3d>
+      <a:camera prst="orthographicFront"/>
+      <a:lightRig rig="threePt" dir="t"/>
+    </dgm:scene3d>
+    <dgm:sp3d/>
+    <dgm:txPr/>
+    <dgm:style>
+      <a:lnRef idx="2">
+        <a:scrgbClr r="0" g="0" b="0"/>
+      </a:lnRef>
+      <a:fillRef idx="1">
+        <a:scrgbClr r="0" g="0" b="0"/>
+      </a:fillRef>
+      <a:effectRef idx="0">
+        <a:scrgbClr r="0" g="0" b="0"/>
+      </a:effectRef>
+      <a:fontRef idx="minor">
+        <a:schemeClr val="lt1"/>
+      </a:fontRef>
+    </dgm:style>
+  </dgm:styleLbl>
+  <dgm:styleLbl name="lnNode1">
+    <dgm:scene3d>
+      <a:camera prst="orthographicFront"/>
+      <a:lightRig rig="threePt" dir="t"/>
+    </dgm:scene3d>
+    <dgm:sp3d/>
+    <dgm:txPr/>
+    <dgm:style>
+      <a:lnRef idx="2">
+        <a:scrgbClr r="0" g="0" b="0"/>
+      </a:lnRef>
+      <a:fillRef idx="1">
+        <a:scrgbClr r="0" g="0" b="0"/>
+      </a:fillRef>
+      <a:effectRef idx="0">
+        <a:scrgbClr r="0" g="0" b="0"/>
+      </a:effectRef>
+      <a:fontRef idx="minor">
+        <a:schemeClr val="lt1"/>
+      </a:fontRef>
+    </dgm:style>
+  </dgm:styleLbl>
+  <dgm:styleLbl name="vennNode1">
+    <dgm:scene3d>
+      <a:camera prst="orthographicFront"/>
+      <a:lightRig rig="threePt" dir="t"/>
+    </dgm:scene3d>
+    <dgm:sp3d/>
+    <dgm:txPr/>
+    <dgm:style>
+      <a:lnRef idx="2">
+        <a:scrgbClr r="0" g="0" b="0"/>
+      </a:lnRef>
+      <a:fillRef idx="1">
+        <a:scrgbClr r="0" g="0" b="0"/>
+      </a:fillRef>
+      <a:effectRef idx="0">
+        <a:scrgbClr r="0" g="0" b="0"/>
+      </a:effectRef>
+      <a:fontRef idx="minor">
+        <a:schemeClr val="tx1"/>
+      </a:fontRef>
+    </dgm:style>
+  </dgm:styleLbl>
+  <dgm:styleLbl name="alignNode1">
+    <dgm:scene3d>
+      <a:camera prst="orthographicFront"/>
+      <a:lightRig rig="threePt" dir="t"/>
+    </dgm:scene3d>
+    <dgm:sp3d/>
+    <dgm:txPr/>
+    <dgm:style>
+      <a:lnRef idx="2">
+        <a:scrgbClr r="0" g="0" b="0"/>
+      </a:lnRef>
+      <a:fillRef idx="1">
+        <a:scrgbClr r="0" g="0" b="0"/>
+      </a:fillRef>
+      <a:effectRef idx="0">
+        <a:scrgbClr r="0" g="0" b="0"/>
+      </a:effectRef>
+      <a:fontRef idx="minor">
+        <a:schemeClr val="lt1"/>
+      </a:fontRef>
+    </dgm:style>
+  </dgm:styleLbl>
+  <dgm:styleLbl name="node1">
+    <dgm:scene3d>
+      <a:camera prst="orthographicFront"/>
+      <a:lightRig rig="threePt" dir="t"/>
+    </dgm:scene3d>
+    <dgm:sp3d/>
+    <dgm:txPr/>
+    <dgm:style>
+      <a:lnRef idx="2">
+        <a:scrgbClr r="0" g="0" b="0"/>
+      </a:lnRef>
+      <a:fillRef idx="1">
+        <a:scrgbClr r="0" g="0" b="0"/>
+      </a:fillRef>
+      <a:effectRef idx="0">
+        <a:scrgbClr r="0" g="0" b="0"/>
+      </a:effectRef>
+      <a:fontRef idx="minor">
+        <a:schemeClr val="lt1"/>
+      </a:fontRef>
+    </dgm:style>
+  </dgm:styleLbl>
+  <dgm:styleLbl name="node2">
+    <dgm:scene3d>
+      <a:camera prst="orthographicFront"/>
+      <a:lightRig rig="threePt" dir="t"/>
+    </dgm:scene3d>
+    <dgm:sp3d/>
+    <dgm:txPr/>
+    <dgm:style>
+      <a:lnRef idx="2">
+        <a:scrgbClr r="0" g="0" b="0"/>
+      </a:lnRef>
+      <a:fillRef idx="1">
+        <a:scrgbClr r="0" g="0" b="0"/>
+      </a:fillRef>
+      <a:effectRef idx="0">
+        <a:scrgbClr r="0" g="0" b="0"/>
+      </a:effectRef>
+      <a:fontRef idx="minor">
+        <a:schemeClr val="lt1"/>
+      </a:fontRef>
+    </dgm:style>
+  </dgm:styleLbl>
+  <dgm:styleLbl name="node3">
+    <dgm:scene3d>
+      <a:camera prst="orthographicFront"/>
+      <a:lightRig rig="threePt" dir="t"/>
+    </dgm:scene3d>
+    <dgm:sp3d/>
+    <dgm:txPr/>
+    <dgm:style>
+      <a:lnRef idx="2">
+        <a:scrgbClr r="0" g="0" b="0"/>
+      </a:lnRef>
+      <a:fillRef idx="1">
+        <a:scrgbClr r="0" g="0" b="0"/>
+      </a:fillRef>
+      <a:effectRef idx="0">
+        <a:scrgbClr r="0" g="0" b="0"/>
+      </a:effectRef>
+      <a:fontRef idx="minor">
+        <a:schemeClr val="lt1"/>
+      </a:fontRef>
+    </dgm:style>
+  </dgm:styleLbl>
+  <dgm:styleLbl name="node4">
+    <dgm:scene3d>
+      <a:camera prst="orthographicFront"/>
+      <a:lightRig rig="threePt" dir="t"/>
+    </dgm:scene3d>
+    <dgm:sp3d/>
+    <dgm:txPr/>
+    <dgm:style>
+      <a:lnRef idx="2">
+        <a:scrgbClr r="0" g="0" b="0"/>
+      </a:lnRef>
+      <a:fillRef idx="1">
+        <a:scrgbClr r="0" g="0" b="0"/>
+      </a:fillRef>
+      <a:effectRef idx="0">
+        <a:scrgbClr r="0" g="0" b="0"/>
+      </a:effectRef>
+      <a:fontRef idx="minor">
+        <a:schemeClr val="lt1"/>
+      </a:fontRef>
+    </dgm:style>
+  </dgm:styleLbl>
+  <dgm:styleLbl name="fgImgPlace1">
+    <dgm:scene3d>
+      <a:camera prst="orthographicFront"/>
+      <a:lightRig rig="threePt" dir="t"/>
+    </dgm:scene3d>
+    <dgm:sp3d/>
+    <dgm:txPr/>
+    <dgm:style>
+      <a:lnRef idx="2">
+        <a:scrgbClr r="0" g="0" b="0"/>
+      </a:lnRef>
+      <a:fillRef idx="1">
+        <a:scrgbClr r="0" g="0" b="0"/>
+      </a:fillRef>
+      <a:effectRef idx="0">
+        <a:scrgbClr r="0" g="0" b="0"/>
+      </a:effectRef>
+      <a:fontRef idx="minor"/>
+    </dgm:style>
+  </dgm:styleLbl>
+  <dgm:styleLbl name="alignImgPlace1">
+    <dgm:scene3d>
+      <a:camera prst="orthographicFront"/>
+      <a:lightRig rig="threePt" dir="t"/>
+    </dgm:scene3d>
+    <dgm:sp3d/>
+    <dgm:txPr/>
+    <dgm:style>
+      <a:lnRef idx="2">
+        <a:scrgbClr r="0" g="0" b="0"/>
+      </a:lnRef>
+      <a:fillRef idx="1">
+        <a:scrgbClr r="0" g="0" b="0"/>
+      </a:fillRef>
+      <a:effectRef idx="0">
+        <a:scrgbClr r="0" g="0" b="0"/>
+      </a:effectRef>
+      <a:fontRef idx="minor"/>
+    </dgm:style>
+  </dgm:styleLbl>
+  <dgm:styleLbl name="bgImgPlace1">
+    <dgm:scene3d>
+      <a:camera prst="orthographicFront"/>
+      <a:lightRig rig="threePt" dir="t"/>
+    </dgm:scene3d>
+    <dgm:sp3d/>
+    <dgm:txPr/>
+    <dgm:style>
+      <a:lnRef idx="2">
+        <a:scrgbClr r="0" g="0" b="0"/>
+      </a:lnRef>
+      <a:fillRef idx="1">
+        <a:scrgbClr r="0" g="0" b="0"/>
+      </a:fillRef>
+      <a:effectRef idx="0">
+        <a:scrgbClr r="0" g="0" b="0"/>
+      </a:effectRef>
+      <a:fontRef idx="minor"/>
+    </dgm:style>
+  </dgm:styleLbl>
+  <dgm:styleLbl name="sibTrans2D1">
+    <dgm:scene3d>
+      <a:camera prst="orthographicFront"/>
+      <a:lightRig rig="threePt" dir="t"/>
+    </dgm:scene3d>
+    <dgm:sp3d/>
+    <dgm:txPr/>
+    <dgm:style>
+      <a:lnRef idx="0">
+        <a:scrgbClr r="0" g="0" b="0"/>
+      </a:lnRef>
+      <a:fillRef idx="1">
+        <a:scrgbClr r="0" g="0" b="0"/>
+      </a:fillRef>
+      <a:effectRef idx="0">
+        <a:scrgbClr r="0" g="0" b="0"/>
+      </a:effectRef>
+      <a:fontRef idx="minor">
+        <a:schemeClr val="lt1"/>
+      </a:fontRef>
+    </dgm:style>
+  </dgm:styleLbl>
+  <dgm:styleLbl name="fgSibTrans2D1">
+    <dgm:scene3d>
+      <a:camera prst="orthographicFront"/>
+      <a:lightRig rig="threePt" dir="t"/>
+    </dgm:scene3d>
+    <dgm:sp3d/>
+    <dgm:txPr/>
+    <dgm:style>
+      <a:lnRef idx="0">
+        <a:scrgbClr r="0" g="0" b="0"/>
+      </a:lnRef>
+      <a:fillRef idx="1">
+        <a:scrgbClr r="0" g="0" b="0"/>
+      </a:fillRef>
+      <a:effectRef idx="0">
+        <a:scrgbClr r="0" g="0" b="0"/>
+      </a:effectRef>
+      <a:fontRef idx="minor">
+        <a:schemeClr val="lt1"/>
+      </a:fontRef>
+    </dgm:style>
+  </dgm:styleLbl>
+  <dgm:styleLbl name="bgSibTrans2D1">
+    <dgm:scene3d>
+      <a:camera prst="orthographicFront"/>
+      <a:lightRig rig="threePt" dir="t"/>
+    </dgm:scene3d>
+    <dgm:sp3d/>
+    <dgm:txPr/>
+    <dgm:style>
+      <a:lnRef idx="0">
+        <a:scrgbClr r="0" g="0" b="0"/>
+      </a:lnRef>
+      <a:fillRef idx="1">
+        <a:scrgbClr r="0" g="0" b="0"/>
+      </a:fillRef>
+      <a:effectRef idx="0">
+        <a:scrgbClr r="0" g="0" b="0"/>
+      </a:effectRef>
+      <a:fontRef idx="minor">
+        <a:schemeClr val="lt1"/>
+      </a:fontRef>
+    </dgm:style>
+  </dgm:styleLbl>
+  <dgm:styleLbl name="sibTrans1D1">
+    <dgm:scene3d>
+      <a:camera prst="orthographicFront"/>
+      <a:lightRig rig="threePt" dir="t"/>
+    </dgm:scene3d>
+    <dgm:sp3d/>
+    <dgm:txPr/>
+    <dgm:style>
+      <a:lnRef idx="1">
+        <a:scrgbClr r="0" g="0" b="0"/>
+      </a:lnRef>
+      <a:fillRef idx="0">
+        <a:scrgbClr r="0" g="0" b="0"/>
+      </a:fillRef>
+      <a:effectRef idx="0">
+        <a:scrgbClr r="0" g="0" b="0"/>
+      </a:effectRef>
+      <a:fontRef idx="minor"/>
+    </dgm:style>
+  </dgm:styleLbl>
+  <dgm:styleLbl name="callout">
+    <dgm:scene3d>
+      <a:camera prst="orthographicFront"/>
+      <a:lightRig rig="threePt" dir="t"/>
+    </dgm:scene3d>
+    <dgm:sp3d/>
+    <dgm:txPr/>
+    <dgm:style>
+      <a:lnRef idx="2">
+        <a:scrgbClr r="0" g="0" b="0"/>
+      </a:lnRef>
+      <a:fillRef idx="1">
+        <a:scrgbClr r="0" g="0" b="0"/>
+      </a:fillRef>
+      <a:effectRef idx="0">
+        <a:scrgbClr r="0" g="0" b="0"/>
+      </a:effectRef>
+      <a:fontRef idx="minor"/>
+    </dgm:style>
+  </dgm:styleLbl>
+  <dgm:styleLbl name="asst0">
+    <dgm:scene3d>
+      <a:camera prst="orthographicFront"/>
+      <a:lightRig rig="threePt" dir="t"/>
+    </dgm:scene3d>
+    <dgm:sp3d/>
+    <dgm:txPr/>
+    <dgm:style>
+      <a:lnRef idx="2">
+        <a:scrgbClr r="0" g="0" b="0"/>
+      </a:lnRef>
+      <a:fillRef idx="1">
+        <a:scrgbClr r="0" g="0" b="0"/>
+      </a:fillRef>
+      <a:effectRef idx="0">
+        <a:scrgbClr r="0" g="0" b="0"/>
+      </a:effectRef>
+      <a:fontRef idx="minor">
+        <a:schemeClr val="lt1"/>
+      </a:fontRef>
+    </dgm:style>
+  </dgm:styleLbl>
+  <dgm:styleLbl name="asst1">
+    <dgm:scene3d>
+      <a:camera prst="orthographicFront"/>
+      <a:lightRig rig="threePt" dir="t"/>
+    </dgm:scene3d>
+    <dgm:sp3d/>
+    <dgm:txPr/>
+    <dgm:style>
+      <a:lnRef idx="2">
+        <a:scrgbClr r="0" g="0" b="0"/>
+      </a:lnRef>
+      <a:fillRef idx="1">
+        <a:scrgbClr r="0" g="0" b="0"/>
+      </a:fillRef>
+      <a:effectRef idx="0">
+        <a:scrgbClr r="0" g="0" b="0"/>
+      </a:effectRef>
+      <a:fontRef idx="minor">
+        <a:schemeClr val="lt1"/>
+      </a:fontRef>
+    </dgm:style>
+  </dgm:styleLbl>
+  <dgm:styleLbl name="asst2">
+    <dgm:scene3d>
+      <a:camera prst="orthographicFront"/>
+      <a:lightRig rig="threePt" dir="t"/>
+    </dgm:scene3d>
+    <dgm:sp3d/>
+    <dgm:txPr/>
+    <dgm:style>
+      <a:lnRef idx="2">
+        <a:scrgbClr r="0" g="0" b="0"/>
+      </a:lnRef>
+      <a:fillRef idx="1">
+        <a:scrgbClr r="0" g="0" b="0"/>
+      </a:fillRef>
+      <a:effectRef idx="0">
+        <a:scrgbClr r="0" g="0" b="0"/>
+      </a:effectRef>
+      <a:fontRef idx="minor">
+        <a:schemeClr val="lt1"/>
+      </a:fontRef>
+    </dgm:style>
+  </dgm:styleLbl>
+  <dgm:styleLbl name="asst3">
+    <dgm:scene3d>
+      <a:camera prst="orthographicFront"/>
+      <a:lightRig rig="threePt" dir="t"/>
+    </dgm:scene3d>
+    <dgm:sp3d/>
+    <dgm:txPr/>
+    <dgm:style>
+      <a:lnRef idx="2">
+        <a:scrgbClr r="0" g="0" b="0"/>
+      </a:lnRef>
+      <a:fillRef idx="1">
+        <a:scrgbClr r="0" g="0" b="0"/>
+      </a:fillRef>
+      <a:effectRef idx="0">
+        <a:scrgbClr r="0" g="0" b="0"/>
+      </a:effectRef>
+      <a:fontRef idx="minor">
+        <a:schemeClr val="lt1"/>
+      </a:fontRef>
+    </dgm:style>
+  </dgm:styleLbl>
+  <dgm:styleLbl name="asst4">
+    <dgm:scene3d>
+      <a:camera prst="orthographicFront"/>
+      <a:lightRig rig="threePt" dir="t"/>
+    </dgm:scene3d>
+    <dgm:sp3d/>
+    <dgm:txPr/>
+    <dgm:style>
+      <a:lnRef idx="2">
+        <a:scrgbClr r="0" g="0" b="0"/>
+      </a:lnRef>
+      <a:fillRef idx="1">
+        <a:scrgbClr r="0" g="0" b="0"/>
+      </a:fillRef>
+      <a:effectRef idx="0">
+        <a:scrgbClr r="0" g="0" b="0"/>
+      </a:effectRef>
+      <a:fontRef idx="minor">
+        <a:schemeClr val="lt1"/>
+      </a:fontRef>
+    </dgm:style>
+  </dgm:styleLbl>
+  <dgm:styleLbl name="parChTrans2D1">
+    <dgm:scene3d>
+      <a:camera prst="orthographicFront"/>
+      <a:lightRig rig="threePt" dir="t"/>
+    </dgm:scene3d>
+    <dgm:sp3d/>
+    <dgm:txPr/>
+    <dgm:style>
+      <a:lnRef idx="2">
+        <a:scrgbClr r="0" g="0" b="0"/>
+      </a:lnRef>
+      <a:fillRef idx="1">
+        <a:scrgbClr r="0" g="0" b="0"/>
+      </a:fillRef>
+      <a:effectRef idx="0">
+        <a:scrgbClr r="0" g="0" b="0"/>
+      </a:effectRef>
+      <a:fontRef idx="minor">
+        <a:schemeClr val="lt1"/>
+      </a:fontRef>
+    </dgm:style>
+  </dgm:styleLbl>
+  <dgm:styleLbl name="parChTrans2D2">
+    <dgm:scene3d>
+      <a:camera prst="orthographicFront"/>
+      <a:lightRig rig="threePt" dir="t"/>
+    </dgm:scene3d>
+    <dgm:sp3d/>
+    <dgm:txPr/>
+    <dgm:style>
+      <a:lnRef idx="2">
+        <a:scrgbClr r="0" g="0" b="0"/>
+      </a:lnRef>
+      <a:fillRef idx="1">
+        <a:scrgbClr r="0" g="0" b="0"/>
+      </a:fillRef>
+      <a:effectRef idx="0">
+        <a:scrgbClr r="0" g="0" b="0"/>
+      </a:effectRef>
+      <a:fontRef idx="minor">
+        <a:schemeClr val="lt1"/>
+      </a:fontRef>
+    </dgm:style>
+  </dgm:styleLbl>
+  <dgm:styleLbl name="parChTrans2D3">
+    <dgm:scene3d>
+      <a:camera prst="orthographicFront"/>
+      <a:lightRig rig="threePt" dir="t"/>
+    </dgm:scene3d>
+    <dgm:sp3d/>
+    <dgm:txPr/>
+    <dgm:style>
+      <a:lnRef idx="2">
+        <a:scrgbClr r="0" g="0" b="0"/>
+      </a:lnRef>
+      <a:fillRef idx="1">
+        <a:scrgbClr r="0" g="0" b="0"/>
+      </a:fillRef>
+      <a:effectRef idx="0">
+        <a:scrgbClr r="0" g="0" b="0"/>
+      </a:effectRef>
+      <a:fontRef idx="minor">
+        <a:schemeClr val="lt1"/>
+      </a:fontRef>
+    </dgm:style>
+  </dgm:styleLbl>
+  <dgm:styleLbl name="parChTrans2D4">
+    <dgm:scene3d>
+      <a:camera prst="orthographicFront"/>
+      <a:lightRig rig="threePt" dir="t"/>
+    </dgm:scene3d>
+    <dgm:sp3d/>
+    <dgm:txPr/>
+    <dgm:style>
+      <a:lnRef idx="2">
+        <a:scrgbClr r="0" g="0" b="0"/>
+      </a:lnRef>
+      <a:fillRef idx="1">
+        <a:scrgbClr r="0" g="0" b="0"/>
+      </a:fillRef>
+      <a:effectRef idx="0">
+        <a:scrgbClr r="0" g="0" b="0"/>
+      </a:effectRef>
+      <a:fontRef idx="minor">
+        <a:schemeClr val="lt1"/>
+      </a:fontRef>
+    </dgm:style>
+  </dgm:styleLbl>
+  <dgm:styleLbl name="parChTrans1D1">
+    <dgm:scene3d>
+      <a:camera prst="orthographicFront"/>
+      <a:lightRig rig="threePt" dir="t"/>
+    </dgm:scene3d>
+    <dgm:sp3d/>
+    <dgm:txPr/>
+    <dgm:style>
+      <a:lnRef idx="2">
+        <a:scrgbClr r="0" g="0" b="0"/>
+      </a:lnRef>
+      <a:fillRef idx="0">
+        <a:scrgbClr r="0" g="0" b="0"/>
+      </a:fillRef>
+      <a:effectRef idx="0">
+        <a:scrgbClr r="0" g="0" b="0"/>
+      </a:effectRef>
+      <a:fontRef idx="minor"/>
+    </dgm:style>
+  </dgm:styleLbl>
+  <dgm:styleLbl name="parChTrans1D2">
+    <dgm:scene3d>
+      <a:camera prst="orthographicFront"/>
+      <a:lightRig rig="threePt" dir="t"/>
+    </dgm:scene3d>
+    <dgm:sp3d/>
+    <dgm:txPr/>
+    <dgm:style>
+      <a:lnRef idx="2">
+        <a:scrgbClr r="0" g="0" b="0"/>
+      </a:lnRef>
+      <a:fillRef idx="0">
+        <a:scrgbClr r="0" g="0" b="0"/>
+      </a:fillRef>
+      <a:effectRef idx="0">
+        <a:scrgbClr r="0" g="0" b="0"/>
+      </a:effectRef>
+      <a:fontRef idx="minor"/>
+    </dgm:style>
+  </dgm:styleLbl>
+  <dgm:styleLbl name="parChTrans1D3">
+    <dgm:scene3d>
+      <a:camera prst="orthographicFront"/>
+      <a:lightRig rig="threePt" dir="t"/>
+    </dgm:scene3d>
+    <dgm:sp3d/>
+    <dgm:txPr/>
+    <dgm:style>
+      <a:lnRef idx="2">
+        <a:scrgbClr r="0" g="0" b="0"/>
+      </a:lnRef>
+      <a:fillRef idx="0">
+        <a:scrgbClr r="0" g="0" b="0"/>
+      </a:fillRef>
+      <a:effectRef idx="0">
+        <a:scrgbClr r="0" g="0" b="0"/>
+      </a:effectRef>
+      <a:fontRef idx="minor"/>
+    </dgm:style>
+  </dgm:styleLbl>
+  <dgm:styleLbl name="parChTrans1D4">
+    <dgm:scene3d>
+      <a:camera prst="orthographicFront"/>
+      <a:lightRig rig="threePt" dir="t"/>
+    </dgm:scene3d>
+    <dgm:sp3d/>
+    <dgm:txPr/>
+    <dgm:style>
+      <a:lnRef idx="2">
+        <a:scrgbClr r="0" g="0" b="0"/>
+      </a:lnRef>
+      <a:fillRef idx="0">
+        <a:scrgbClr r="0" g="0" b="0"/>
+      </a:fillRef>
+      <a:effectRef idx="0">
+        <a:scrgbClr r="0" g="0" b="0"/>
+      </a:effectRef>
+      <a:fontRef idx="minor"/>
+    </dgm:style>
+  </dgm:styleLbl>
+  <dgm:styleLbl name="fgAcc1">
+    <dgm:scene3d>
+      <a:camera prst="orthographicFront"/>
+      <a:lightRig rig="threePt" dir="t"/>
+    </dgm:scene3d>
+    <dgm:sp3d/>
+    <dgm:txPr/>
+    <dgm:style>
+      <a:lnRef idx="2">
+        <a:scrgbClr r="0" g="0" b="0"/>
+      </a:lnRef>
+      <a:fillRef idx="1">
+        <a:scrgbClr r="0" g="0" b="0"/>
+      </a:fillRef>
+      <a:effectRef idx="0">
+        <a:scrgbClr r="0" g="0" b="0"/>
+      </a:effectRef>
+      <a:fontRef idx="minor"/>
+    </dgm:style>
+  </dgm:styleLbl>
+  <dgm:styleLbl name="conFgAcc1">
+    <dgm:scene3d>
+      <a:camera prst="orthographicFront"/>
+      <a:lightRig rig="threePt" dir="t"/>
+    </dgm:scene3d>
+    <dgm:sp3d/>
+    <dgm:txPr/>
+    <dgm:style>
+      <a:lnRef idx="2">
+        <a:scrgbClr r="0" g="0" b="0"/>
+      </a:lnRef>
+      <a:fillRef idx="1">
+        <a:scrgbClr r="0" g="0" b="0"/>
+      </a:fillRef>
+      <a:effectRef idx="0">
+        <a:scrgbClr r="0" g="0" b="0"/>
+      </a:effectRef>
+      <a:fontRef idx="minor"/>
+    </dgm:style>
+  </dgm:styleLbl>
+  <dgm:styleLbl name="alignAcc1">
+    <dgm:scene3d>
+      <a:camera prst="orthographicFront"/>
+      <a:lightRig rig="threePt" dir="t"/>
+    </dgm:scene3d>
+    <dgm:sp3d/>
+    <dgm:txPr/>
+    <dgm:style>
+      <a:lnRef idx="2">
+        <a:scrgbClr r="0" g="0" b="0"/>
+      </a:lnRef>
+      <a:fillRef idx="1">
+        <a:scrgbClr r="0" g="0" b="0"/>
+      </a:fillRef>
+      <a:effectRef idx="0">
+        <a:scrgbClr r="0" g="0" b="0"/>
+      </a:effectRef>
+      <a:fontRef idx="minor"/>
+    </dgm:style>
+  </dgm:styleLbl>
+  <dgm:styleLbl name="trAlignAcc1">
+    <dgm:scene3d>
+      <a:camera prst="orthographicFront"/>
+      <a:lightRig rig="threePt" dir="t"/>
+    </dgm:scene3d>
+    <dgm:sp3d/>
+    <dgm:txPr/>
+    <dgm:style>
+      <a:lnRef idx="1">
+        <a:scrgbClr r="0" g="0" b="0"/>
+      </a:lnRef>
+      <a:fillRef idx="1">
+        <a:scrgbClr r="0" g="0" b="0"/>
+      </a:fillRef>
+      <a:effectRef idx="0">
+        <a:scrgbClr r="0" g="0" b="0"/>
+      </a:effectRef>
+      <a:fontRef idx="minor"/>
+    </dgm:style>
+  </dgm:styleLbl>
+  <dgm:styleLbl name="bgAcc1">
+    <dgm:scene3d>
+      <a:camera prst="orthographicFront"/>
+      <a:lightRig rig="threePt" dir="t"/>
+    </dgm:scene3d>
+    <dgm:sp3d/>
+    <dgm:txPr/>
+    <dgm:style>
+      <a:lnRef idx="2">
+        <a:scrgbClr r="0" g="0" b="0"/>
+      </a:lnRef>
+      <a:fillRef idx="1">
+        <a:scrgbClr r="0" g="0" b="0"/>
+      </a:fillRef>
+      <a:effectRef idx="0">
+        <a:scrgbClr r="0" g="0" b="0"/>
+      </a:effectRef>
+      <a:fontRef idx="minor"/>
+    </dgm:style>
+  </dgm:styleLbl>
+  <dgm:styleLbl name="solidFgAcc1">
+    <dgm:scene3d>
+      <a:camera prst="orthographicFront"/>
+      <a:lightRig rig="threePt" dir="t"/>
+    </dgm:scene3d>
+    <dgm:sp3d/>
+    <dgm:txPr/>
+    <dgm:style>
+      <a:lnRef idx="2">
+        <a:scrgbClr r="0" g="0" b="0"/>
+      </a:lnRef>
+      <a:fillRef idx="1">
+        <a:scrgbClr r="0" g="0" b="0"/>
+      </a:fillRef>
+      <a:effectRef idx="0">
+        <a:scrgbClr r="0" g="0" b="0"/>
+      </a:effectRef>
+      <a:fontRef idx="minor"/>
+    </dgm:style>
+  </dgm:styleLbl>
+  <dgm:styleLbl name="solidAlignAcc1">
+    <dgm:scene3d>
+      <a:camera prst="orthographicFront"/>
+      <a:lightRig rig="threePt" dir="t"/>
+    </dgm:scene3d>
+    <dgm:sp3d/>
+    <dgm:txPr/>
+    <dgm:style>
+      <a:lnRef idx="2">
+        <a:scrgbClr r="0" g="0" b="0"/>
+      </a:lnRef>
+      <a:fillRef idx="1">
+        <a:scrgbClr r="0" g="0" b="0"/>
+      </a:fillRef>
+      <a:effectRef idx="0">
+        <a:scrgbClr r="0" g="0" b="0"/>
+      </a:effectRef>
+      <a:fontRef idx="minor"/>
+    </dgm:style>
+  </dgm:styleLbl>
+  <dgm:styleLbl name="solidBgAcc1">
+    <dgm:scene3d>
+      <a:camera prst="orthographicFront"/>
+      <a:lightRig rig="threePt" dir="t"/>
+    </dgm:scene3d>
+    <dgm:sp3d/>
+    <dgm:txPr/>
+    <dgm:style>
+      <a:lnRef idx="2">
+        <a:scrgbClr r="0" g="0" b="0"/>
+      </a:lnRef>
+      <a:fillRef idx="1">
+        <a:scrgbClr r="0" g="0" b="0"/>
+      </a:fillRef>
+      <a:effectRef idx="0">
+        <a:scrgbClr r="0" g="0" b="0"/>
+      </a:effectRef>
+      <a:fontRef idx="minor"/>
+    </dgm:style>
+  </dgm:styleLbl>
+  <dgm:styleLbl name="fgAccFollowNode1">
+    <dgm:scene3d>
+      <a:camera prst="orthographicFront"/>
+      <a:lightRig rig="threePt" dir="t"/>
+    </dgm:scene3d>
+    <dgm:sp3d/>
+    <dgm:txPr/>
+    <dgm:style>
+      <a:lnRef idx="2">
+        <a:scrgbClr r="0" g="0" b="0"/>
+      </a:lnRef>
+      <a:fillRef idx="1">
+        <a:scrgbClr r="0" g="0" b="0"/>
+      </a:fillRef>
+      <a:effectRef idx="0">
+        <a:scrgbClr r="0" g="0" b="0"/>
+      </a:effectRef>
+      <a:fontRef idx="minor"/>
+    </dgm:style>
+  </dgm:styleLbl>
+  <dgm:styleLbl name="alignAccFollowNode1">
+    <dgm:scene3d>
+      <a:camera prst="orthographicFront"/>
+      <a:lightRig rig="threePt" dir="t"/>
+    </dgm:scene3d>
+    <dgm:sp3d/>
+    <dgm:txPr/>
+    <dgm:style>
+      <a:lnRef idx="2">
+        <a:scrgbClr r="0" g="0" b="0"/>
+      </a:lnRef>
+      <a:fillRef idx="1">
+        <a:scrgbClr r="0" g="0" b="0"/>
+      </a:fillRef>
+      <a:effectRef idx="0">
+        <a:scrgbClr r="0" g="0" b="0"/>
+      </a:effectRef>
+      <a:fontRef idx="minor"/>
+    </dgm:style>
+  </dgm:styleLbl>
+  <dgm:styleLbl name="bgAccFollowNode1">
+    <dgm:scene3d>
+      <a:camera prst="orthographicFront"/>
+      <a:lightRig rig="threePt" dir="t"/>
+    </dgm:scene3d>
+    <dgm:sp3d/>
+    <dgm:txPr/>
+    <dgm:style>
+      <a:lnRef idx="2">
+        <a:scrgbClr r="0" g="0" b="0"/>
+      </a:lnRef>
+      <a:fillRef idx="1">
+        <a:scrgbClr r="0" g="0" b="0"/>
+      </a:fillRef>
+      <a:effectRef idx="0">
+        <a:scrgbClr r="0" g="0" b="0"/>
+      </a:effectRef>
+      <a:fontRef idx="minor"/>
+    </dgm:style>
+  </dgm:styleLbl>
+  <dgm:styleLbl name="fgAcc0">
+    <dgm:scene3d>
+      <a:camera prst="orthographicFront"/>
+      <a:lightRig rig="threePt" dir="t"/>
+    </dgm:scene3d>
+    <dgm:sp3d/>
+    <dgm:txPr/>
+    <dgm:style>
+      <a:lnRef idx="2">
+        <a:scrgbClr r="0" g="0" b="0"/>
+      </a:lnRef>
+      <a:fillRef idx="1">
+        <a:scrgbClr r="0" g="0" b="0"/>
+      </a:fillRef>
+      <a:effectRef idx="0">
+        <a:scrgbClr r="0" g="0" b="0"/>
+      </a:effectRef>
+      <a:fontRef idx="minor"/>
+    </dgm:style>
+  </dgm:styleLbl>
+  <dgm:styleLbl name="fgAcc2">
+    <dgm:scene3d>
+      <a:camera prst="orthographicFront"/>
+      <a:lightRig rig="threePt" dir="t"/>
+    </dgm:scene3d>
+    <dgm:sp3d/>
+    <dgm:txPr/>
+    <dgm:style>
+      <a:lnRef idx="2">
+        <a:scrgbClr r="0" g="0" b="0"/>
+      </a:lnRef>
+      <a:fillRef idx="1">
+        <a:scrgbClr r="0" g="0" b="0"/>
+      </a:fillRef>
+      <a:effectRef idx="0">
+        <a:scrgbClr r="0" g="0" b="0"/>
+      </a:effectRef>
+      <a:fontRef idx="minor"/>
+    </dgm:style>
+  </dgm:styleLbl>
+  <dgm:styleLbl name="fgAcc3">
+    <dgm:scene3d>
+      <a:camera prst="orthographicFront"/>
+      <a:lightRig rig="threePt" dir="t"/>
+    </dgm:scene3d>
+    <dgm:sp3d/>
+    <dgm:txPr/>
+    <dgm:style>
+      <a:lnRef idx="2">
+        <a:scrgbClr r="0" g="0" b="0"/>
+      </a:lnRef>
+      <a:fillRef idx="1">
+        <a:scrgbClr r="0" g="0" b="0"/>
+      </a:fillRef>
+      <a:effectRef idx="0">
+        <a:scrgbClr r="0" g="0" b="0"/>
+      </a:effectRef>
+      <a:fontRef idx="minor"/>
+    </dgm:style>
+  </dgm:styleLbl>
+  <dgm:styleLbl name="fgAcc4">
+    <dgm:scene3d>
+      <a:camera prst="orthographicFront"/>
+      <a:lightRig rig="threePt" dir="t"/>
+    </dgm:scene3d>
+    <dgm:sp3d/>
+    <dgm:txPr/>
+    <dgm:style>
+      <a:lnRef idx="2">
+        <a:scrgbClr r="0" g="0" b="0"/>
+      </a:lnRef>
+      <a:fillRef idx="1">
+        <a:scrgbClr r="0" g="0" b="0"/>
+      </a:fillRef>
+      <a:effectRef idx="0">
+        <a:scrgbClr r="0" g="0" b="0"/>
+      </a:effectRef>
+      <a:fontRef idx="minor"/>
+    </dgm:style>
+  </dgm:styleLbl>
+  <dgm:styleLbl name="bgShp">
+    <dgm:scene3d>
+      <a:camera prst="orthographicFront"/>
+      <a:lightRig rig="threePt" dir="t"/>
+    </dgm:scene3d>
+    <dgm:sp3d/>
+    <dgm:txPr/>
+    <dgm:style>
+      <a:lnRef idx="0">
+        <a:scrgbClr r="0" g="0" b="0"/>
+      </a:lnRef>
+      <a:fillRef idx="1">
+        <a:scrgbClr r="0" g="0" b="0"/>
+      </a:fillRef>
+      <a:effectRef idx="0">
+        <a:scrgbClr r="0" g="0" b="0"/>
+      </a:effectRef>
+      <a:fontRef idx="minor"/>
+    </dgm:style>
+  </dgm:styleLbl>
+  <dgm:styleLbl name="dkBgShp">
+    <dgm:scene3d>
+      <a:camera prst="orthographicFront"/>
+      <a:lightRig rig="threePt" dir="t"/>
+    </dgm:scene3d>
+    <dgm:sp3d/>
+    <dgm:txPr/>
+    <dgm:style>
+      <a:lnRef idx="0">
+        <a:scrgbClr r="0" g="0" b="0"/>
+      </a:lnRef>
+      <a:fillRef idx="1">
+        <a:scrgbClr r="0" g="0" b="0"/>
+      </a:fillRef>
+      <a:effectRef idx="0">
+        <a:scrgbClr r="0" g="0" b="0"/>
+      </a:effectRef>
+      <a:fontRef idx="minor"/>
+    </dgm:style>
+  </dgm:styleLbl>
+  <dgm:styleLbl name="trBgShp">
+    <dgm:scene3d>
+      <a:camera prst="orthographicFront"/>
+      <a:lightRig rig="threePt" dir="t"/>
+    </dgm:scene3d>
+    <dgm:sp3d/>
+    <dgm:txPr/>
+    <dgm:style>
+      <a:lnRef idx="0">
+        <a:scrgbClr r="0" g="0" b="0"/>
+      </a:lnRef>
+      <a:fillRef idx="1">
+        <a:scrgbClr r="0" g="0" b="0"/>
+      </a:fillRef>
+      <a:effectRef idx="0">
+        <a:scrgbClr r="0" g="0" b="0"/>
+      </a:effectRef>
+      <a:fontRef idx="minor"/>
+    </dgm:style>
+  </dgm:styleLbl>
+  <dgm:styleLbl name="fgShp">
+    <dgm:scene3d>
+      <a:camera prst="orthographicFront"/>
+      <a:lightRig rig="threePt" dir="t"/>
+    </dgm:scene3d>
+    <dgm:sp3d/>
+    <dgm:txPr/>
+    <dgm:style>
+      <a:lnRef idx="2">
+        <a:scrgbClr r="0" g="0" b="0"/>
+      </a:lnRef>
+      <a:fillRef idx="1">
+        <a:scrgbClr r="0" g="0" b="0"/>
+      </a:fillRef>
+      <a:effectRef idx="0">
+        <a:scrgbClr r="0" g="0" b="0"/>
+      </a:effectRef>
+      <a:fontRef idx="minor"/>
+    </dgm:style>
+  </dgm:styleLbl>
+  <dgm:styleLbl name="revTx">
+    <dgm:scene3d>
+      <a:camera prst="orthographicFront"/>
+      <a:lightRig rig="threePt" dir="t"/>
+    </dgm:scene3d>
+    <dgm:sp3d/>
+    <dgm:txPr/>
+    <dgm:style>
+      <a:lnRef idx="0">
+        <a:scrgbClr r="0" g="0" b="0"/>
+      </a:lnRef>
+      <a:fillRef idx="0">
+        <a:scrgbClr r="0" g="0" b="0"/>
+      </a:fillRef>
+      <a:effectRef idx="0">
+        <a:scrgbClr r="0" g="0" b="0"/>
+      </a:effectRef>
+      <a:fontRef idx="minor"/>
+    </dgm:style>
+  </dgm:styleLbl>
+</dgm:styleDef>
+</file>
+
+<file path=ppt/diagrams/quickStyle6.xml><?xml version="1.0" encoding="utf-8"?>
 <dgm:styleDef xmlns:dgm="http://schemas.openxmlformats.org/drawingml/2006/diagram" xmlns:a="http://schemas.openxmlformats.org/drawingml/2006/main" uniqueId="urn:microsoft.com/office/officeart/2005/8/quickstyle/simple1">
   <dgm:title val=""/>
   <dgm:desc val=""/>
@@ -20679,10 +23684,7 @@
     <p:bg>
       <p:bgPr>
         <a:solidFill>
-          <a:schemeClr val="bg1">
-            <a:tint val="95000"/>
-            <a:satMod val="170000"/>
-          </a:schemeClr>
+          <a:schemeClr val="bg1"/>
         </a:solidFill>
         <a:effectLst/>
       </p:bgPr>
@@ -20701,12 +23703,70 @@
           <a:chExt cx="0" cy="0"/>
         </a:xfrm>
       </p:grpSpPr>
-      <p:sp useBgFill="1">
-        <p:nvSpPr>
-          <p:cNvPr id="46" name="Rectangle 45">
+      <p:pic>
+        <p:nvPicPr>
+          <p:cNvPr id="9" name="Picture 8">
             <a:extLst>
               <a:ext uri="{FF2B5EF4-FFF2-40B4-BE49-F238E27FC236}">
-                <a16:creationId xmlns:a16="http://schemas.microsoft.com/office/drawing/2014/main" id="{19E301E5-1206-47D0-9CDF-72583D739089}"/>
+                <a16:creationId xmlns:a16="http://schemas.microsoft.com/office/drawing/2014/main" id="{F43FB829-66EF-1440-B597-722A455A26A6}"/>
+              </a:ext>
+            </a:extLst>
+          </p:cNvPr>
+          <p:cNvPicPr>
+            <a:picLocks noChangeAspect="1"/>
+          </p:cNvPicPr>
+          <p:nvPr/>
+        </p:nvPicPr>
+        <p:blipFill rotWithShape="1">
+          <a:blip r:embed="rId2"/>
+          <a:srcRect t="654" r="4" b="5162"/>
+          <a:stretch/>
+        </p:blipFill>
+        <p:spPr>
+          <a:xfrm>
+            <a:off x="1013630" y="321734"/>
+            <a:ext cx="4313908" cy="2905170"/>
+          </a:xfrm>
+          <a:prstGeom prst="rect">
+            <a:avLst/>
+          </a:prstGeom>
+        </p:spPr>
+      </p:pic>
+      <p:pic>
+        <p:nvPicPr>
+          <p:cNvPr id="11" name="Picture 10">
+            <a:extLst>
+              <a:ext uri="{FF2B5EF4-FFF2-40B4-BE49-F238E27FC236}">
+                <a16:creationId xmlns:a16="http://schemas.microsoft.com/office/drawing/2014/main" id="{D51E1A78-9A83-A948-A200-6455336F9C9B}"/>
+              </a:ext>
+            </a:extLst>
+          </p:cNvPr>
+          <p:cNvPicPr>
+            <a:picLocks noChangeAspect="1"/>
+          </p:cNvPicPr>
+          <p:nvPr/>
+        </p:nvPicPr>
+        <p:blipFill rotWithShape="1">
+          <a:blip r:embed="rId3"/>
+          <a:srcRect r="13549" b="-1"/>
+          <a:stretch/>
+        </p:blipFill>
+        <p:spPr>
+          <a:xfrm>
+            <a:off x="1501696" y="3631096"/>
+            <a:ext cx="3337773" cy="2760560"/>
+          </a:xfrm>
+          <a:prstGeom prst="rect">
+            <a:avLst/>
+          </a:prstGeom>
+        </p:spPr>
+      </p:pic>
+      <p:sp>
+        <p:nvSpPr>
+          <p:cNvPr id="53" name="Rectangle 52">
+            <a:extLst>
+              <a:ext uri="{FF2B5EF4-FFF2-40B4-BE49-F238E27FC236}">
+                <a16:creationId xmlns:a16="http://schemas.microsoft.com/office/drawing/2014/main" id="{799448F2-0E5B-42DA-B2D1-11A14E947BD4}"/>
               </a:ext>
               <a:ext uri="{C183D7F6-B498-43B3-948B-1728B52AA6E4}">
                 <adec:decorative xmlns:adec="http://schemas.microsoft.com/office/drawing/2017/decorative" val="1"/>
@@ -20726,12 +23786,18 @@
         </p:nvSpPr>
         <p:spPr>
           <a:xfrm>
-            <a:off x="0" y="0"/>
-            <a:ext cx="12192000" cy="6858000"/>
+            <a:off x="6050280" y="0"/>
+            <a:ext cx="91440" cy="6858000"/>
           </a:xfrm>
           <a:prstGeom prst="rect">
             <a:avLst/>
           </a:prstGeom>
+          <a:solidFill>
+            <a:schemeClr val="tx1">
+              <a:lumMod val="75000"/>
+              <a:lumOff val="25000"/>
+            </a:schemeClr>
+          </a:solidFill>
           <a:ln>
             <a:noFill/>
           </a:ln>
@@ -20763,10 +23829,10 @@
       </p:sp>
       <p:sp>
         <p:nvSpPr>
-          <p:cNvPr id="48" name="Rectangle 47">
+          <p:cNvPr id="55" name="Rectangle 54">
             <a:extLst>
               <a:ext uri="{FF2B5EF4-FFF2-40B4-BE49-F238E27FC236}">
-                <a16:creationId xmlns:a16="http://schemas.microsoft.com/office/drawing/2014/main" id="{AFA31FBE-7948-4384-B68A-75DEFDC4955A}"/>
+                <a16:creationId xmlns:a16="http://schemas.microsoft.com/office/drawing/2014/main" id="{4E8A7552-20E1-4F34-ADAB-C1DB6634D47E}"/>
               </a:ext>
               <a:ext uri="{C183D7F6-B498-43B3-948B-1728B52AA6E4}">
                 <adec:decorative xmlns:adec="http://schemas.microsoft.com/office/drawing/2017/decorative" val="1"/>
@@ -20786,17 +23852,20 @@
         </p:nvSpPr>
         <p:spPr>
           <a:xfrm>
-            <a:off x="477012" y="480060"/>
-            <a:ext cx="11237976" cy="5897880"/>
+            <a:off x="0" y="3383280"/>
+            <a:ext cx="6126480" cy="91440"/>
           </a:xfrm>
           <a:prstGeom prst="rect">
             <a:avLst/>
           </a:prstGeom>
-          <a:noFill/>
+          <a:solidFill>
+            <a:schemeClr val="tx1">
+              <a:lumMod val="75000"/>
+              <a:lumOff val="25000"/>
+            </a:schemeClr>
+          </a:solidFill>
           <a:ln>
-            <a:solidFill>
-              <a:schemeClr val="tx1"/>
-            </a:solidFill>
+            <a:noFill/>
           </a:ln>
         </p:spPr>
         <p:style>
@@ -20826,35 +23895,6 @@
       </p:sp>
       <p:pic>
         <p:nvPicPr>
-          <p:cNvPr id="9" name="Picture 8">
-            <a:extLst>
-              <a:ext uri="{FF2B5EF4-FFF2-40B4-BE49-F238E27FC236}">
-                <a16:creationId xmlns:a16="http://schemas.microsoft.com/office/drawing/2014/main" id="{F43FB829-66EF-1440-B597-722A455A26A6}"/>
-              </a:ext>
-            </a:extLst>
-          </p:cNvPr>
-          <p:cNvPicPr>
-            <a:picLocks noChangeAspect="1"/>
-          </p:cNvPicPr>
-          <p:nvPr/>
-        </p:nvPicPr>
-        <p:blipFill rotWithShape="1">
-          <a:blip r:embed="rId2"/>
-          <a:srcRect t="654" r="4" b="5162"/>
-          <a:stretch/>
-        </p:blipFill>
-        <p:spPr>
-          <a:xfrm>
-            <a:off x="641276" y="643467"/>
-            <a:ext cx="4013020" cy="2702558"/>
-          </a:xfrm>
-          <a:prstGeom prst="rect">
-            <a:avLst/>
-          </a:prstGeom>
-        </p:spPr>
-      </p:pic>
-      <p:pic>
-        <p:nvPicPr>
           <p:cNvPr id="15" name="Picture 14">
             <a:extLst>
               <a:ext uri="{FF2B5EF4-FFF2-40B4-BE49-F238E27FC236}">
@@ -20868,43 +23908,14 @@
           <p:nvPr/>
         </p:nvPicPr>
         <p:blipFill rotWithShape="1">
-          <a:blip r:embed="rId3"/>
+          <a:blip r:embed="rId4"/>
           <a:srcRect r="-1" b="5671"/>
           <a:stretch/>
         </p:blipFill>
         <p:spPr>
           <a:xfrm>
-            <a:off x="643467" y="3509433"/>
-            <a:ext cx="4010830" cy="2705099"/>
-          </a:xfrm>
-          <a:prstGeom prst="rect">
-            <a:avLst/>
-          </a:prstGeom>
-        </p:spPr>
-      </p:pic>
-      <p:pic>
-        <p:nvPicPr>
-          <p:cNvPr id="11" name="Picture 10">
-            <a:extLst>
-              <a:ext uri="{FF2B5EF4-FFF2-40B4-BE49-F238E27FC236}">
-                <a16:creationId xmlns:a16="http://schemas.microsoft.com/office/drawing/2014/main" id="{D51E1A78-9A83-A948-A200-6455336F9C9B}"/>
-              </a:ext>
-            </a:extLst>
-          </p:cNvPr>
-          <p:cNvPicPr>
-            <a:picLocks noChangeAspect="1"/>
-          </p:cNvPicPr>
-          <p:nvPr/>
-        </p:nvPicPr>
-        <p:blipFill rotWithShape="1">
-          <a:blip r:embed="rId4"/>
-          <a:srcRect r="13549" b="-1"/>
-          <a:stretch/>
-        </p:blipFill>
-        <p:spPr>
-          <a:xfrm>
-            <a:off x="4812633" y="643467"/>
-            <a:ext cx="6735900" cy="5571066"/>
+            <a:off x="6308034" y="1526668"/>
+            <a:ext cx="5426764" cy="3660054"/>
           </a:xfrm>
           <a:prstGeom prst="rect">
             <a:avLst/>
@@ -20919,7 +23930,7 @@
     </p:extLst>
   </p:cSld>
   <p:clrMapOvr>
-    <a:overrideClrMapping bg1="dk1" tx1="lt1" bg2="dk2" tx2="lt2" accent1="accent1" accent2="accent2" accent3="accent3" accent4="accent4" accent5="accent5" accent6="accent6" hlink="hlink" folHlink="folHlink"/>
+    <a:masterClrMapping/>
   </p:clrMapOvr>
 </p:sld>
 </file>
@@ -21122,7 +24133,7 @@
             <p:ph idx="1"/>
             <p:extLst>
               <p:ext uri="{D42A27DB-BD31-4B8C-83A1-F6EECF244321}">
-                <p14:modId xmlns:p14="http://schemas.microsoft.com/office/powerpoint/2010/main" val="2845159281"/>
+                <p14:modId xmlns:p14="http://schemas.microsoft.com/office/powerpoint/2010/main" val="2775580953"/>
               </p:ext>
             </p:extLst>
           </p:nvPr>
@@ -21146,6 +24157,133 @@
   </p:cSld>
   <p:clrMapOvr>
     <a:masterClrMapping/>
+  </p:clrMapOvr>
+</p:sld>
+</file>
+
+<file path=ppt/slides/slide17.xml><?xml version="1.0" encoding="utf-8"?>
+<p:sld xmlns:a="http://schemas.openxmlformats.org/drawingml/2006/main" xmlns:r="http://schemas.openxmlformats.org/officeDocument/2006/relationships" xmlns:p="http://schemas.openxmlformats.org/presentationml/2006/main">
+  <p:cSld>
+    <p:bg>
+      <p:bgPr>
+        <a:gradFill rotWithShape="1">
+          <a:gsLst>
+            <a:gs pos="0">
+              <a:schemeClr val="bg1">
+                <a:tint val="96000"/>
+                <a:shade val="99000"/>
+                <a:satMod val="140000"/>
+              </a:schemeClr>
+            </a:gs>
+            <a:gs pos="65000">
+              <a:schemeClr val="bg1">
+                <a:tint val="100000"/>
+                <a:shade val="80000"/>
+                <a:satMod val="130000"/>
+              </a:schemeClr>
+            </a:gs>
+            <a:gs pos="100000">
+              <a:schemeClr val="bg1">
+                <a:tint val="100000"/>
+                <a:shade val="48000"/>
+                <a:satMod val="120000"/>
+              </a:schemeClr>
+            </a:gs>
+          </a:gsLst>
+          <a:lin ang="16200000" scaled="0"/>
+        </a:gradFill>
+        <a:effectLst/>
+      </p:bgPr>
+    </p:bg>
+    <p:spTree>
+      <p:nvGrpSpPr>
+        <p:cNvPr id="1" name=""/>
+        <p:cNvGrpSpPr/>
+        <p:nvPr/>
+      </p:nvGrpSpPr>
+      <p:grpSpPr>
+        <a:xfrm>
+          <a:off x="0" y="0"/>
+          <a:ext cx="0" cy="0"/>
+          <a:chOff x="0" y="0"/>
+          <a:chExt cx="0" cy="0"/>
+        </a:xfrm>
+      </p:grpSpPr>
+      <p:sp>
+        <p:nvSpPr>
+          <p:cNvPr id="2" name="Title 1">
+            <a:extLst>
+              <a:ext uri="{FF2B5EF4-FFF2-40B4-BE49-F238E27FC236}">
+                <a16:creationId xmlns:a16="http://schemas.microsoft.com/office/drawing/2014/main" id="{C78DD4D1-A6E7-9641-93B7-DCF2681D95AF}"/>
+              </a:ext>
+            </a:extLst>
+          </p:cNvPr>
+          <p:cNvSpPr>
+            <a:spLocks noGrp="1"/>
+          </p:cNvSpPr>
+          <p:nvPr>
+            <p:ph type="title"/>
+          </p:nvPr>
+        </p:nvSpPr>
+        <p:spPr>
+          <a:xfrm>
+            <a:off x="1097280" y="286603"/>
+            <a:ext cx="10058400" cy="1450757"/>
+          </a:xfrm>
+        </p:spPr>
+        <p:txBody>
+          <a:bodyPr>
+            <a:normAutofit/>
+          </a:bodyPr>
+          <a:lstStyle/>
+          <a:p>
+            <a:r>
+              <a:rPr lang="en-US"/>
+              <a:t>What next?</a:t>
+            </a:r>
+          </a:p>
+        </p:txBody>
+      </p:sp>
+      <p:graphicFrame>
+        <p:nvGraphicFramePr>
+          <p:cNvPr id="46" name="Content Placeholder 2">
+            <a:extLst>
+              <a:ext uri="{FF2B5EF4-FFF2-40B4-BE49-F238E27FC236}">
+                <a16:creationId xmlns:a16="http://schemas.microsoft.com/office/drawing/2014/main" id="{4ED38F9A-018B-422F-92C8-CE1EA015FD04}"/>
+              </a:ext>
+            </a:extLst>
+          </p:cNvPr>
+          <p:cNvGraphicFramePr>
+            <a:graphicFrameLocks noGrp="1"/>
+          </p:cNvGraphicFramePr>
+          <p:nvPr>
+            <p:ph idx="1"/>
+            <p:extLst>
+              <p:ext uri="{D42A27DB-BD31-4B8C-83A1-F6EECF244321}">
+                <p14:modId xmlns:p14="http://schemas.microsoft.com/office/powerpoint/2010/main" val="2972791103"/>
+              </p:ext>
+            </p:extLst>
+          </p:nvPr>
+        </p:nvGraphicFramePr>
+        <p:xfrm>
+          <a:off x="1096963" y="2098515"/>
+          <a:ext cx="10058400" cy="3786080"/>
+        </p:xfrm>
+        <a:graphic>
+          <a:graphicData uri="http://schemas.openxmlformats.org/drawingml/2006/diagram">
+            <dgm:relIds xmlns:dgm="http://schemas.openxmlformats.org/drawingml/2006/diagram" xmlns:r="http://schemas.openxmlformats.org/officeDocument/2006/relationships" r:dm="rId2" r:lo="rId3" r:qs="rId4" r:cs="rId5"/>
+          </a:graphicData>
+        </a:graphic>
+      </p:graphicFrame>
+    </p:spTree>
+    <p:extLst>
+      <p:ext uri="{BB962C8B-B14F-4D97-AF65-F5344CB8AC3E}">
+        <p14:creationId xmlns:p14="http://schemas.microsoft.com/office/powerpoint/2010/main" val="2420893442"/>
+      </p:ext>
+    </p:extLst>
+  </p:cSld>
+  <p:clrMapOvr>
+    <a:overrideClrMapping bg1="dk1" tx1="lt1" bg2="dk2" tx2="lt2" accent1="accent1" accent2="accent2" accent3="accent3" accent4="accent4" accent5="accent5" accent6="accent6" hlink="hlink" folHlink="folHlink"/>
   </p:clrMapOvr>
 </p:sld>
 </file>
@@ -21489,12 +24627,19 @@
           </a:bodyPr>
           <a:lstStyle/>
           <a:p>
-            <a:pPr marL="0" indent="0">
+            <a:pPr marL="0" indent="0" algn="ctr">
               <a:buNone/>
             </a:pPr>
             <a:r>
-              <a:rPr lang="en-US"/>
-              <a:t>The Urban Ministries of Durham (UMD) fights poverty and homelessness by offering food, shelter, and a future to neighbors in need</a:t>
+              <a:rPr lang="en-US" dirty="0"/>
+              <a:t>The Urban Ministries of Durham (UMD) fights poverty and homelessness by offering </a:t>
+            </a:r>
+            <a:br>
+              <a:rPr lang="en-US" dirty="0"/>
+            </a:br>
+            <a:r>
+              <a:rPr lang="en-US" dirty="0"/>
+              <a:t>food, shelter, and a future to neighbors in need</a:t>
             </a:r>
           </a:p>
         </p:txBody>
@@ -21716,7 +24861,7 @@
           <a:p>
             <a:r>
               <a:rPr lang="en-US" dirty="0"/>
-              <a:t>Primary Service Programs</a:t>
+              <a:t>UMD Programs</a:t>
             </a:r>
           </a:p>
         </p:txBody>
@@ -22026,7 +25171,7 @@
             <a:pPr algn="ctr"/>
             <a:r>
               <a:rPr lang="en-US" sz="3900" dirty="0"/>
-              <a:t>Study Aim: Quantify the change in food pantry </a:t>
+              <a:t>Study Aim: Describe the change in food pantry </a:t>
             </a:r>
             <a:br>
               <a:rPr lang="en-US" sz="3900" dirty="0"/>
@@ -22280,7 +25425,7 @@
             <p:ph idx="1"/>
             <p:extLst>
               <p:ext uri="{D42A27DB-BD31-4B8C-83A1-F6EECF244321}">
-                <p14:modId xmlns:p14="http://schemas.microsoft.com/office/powerpoint/2010/main" val="3654383019"/>
+                <p14:modId xmlns:p14="http://schemas.microsoft.com/office/powerpoint/2010/main" val="298227511"/>
               </p:ext>
             </p:extLst>
           </p:nvPr>
